--- a/Info/TeamProjectPPT.pptx
+++ b/Info/TeamProjectPPT.pptx
@@ -8,6 +8,9 @@
     <p:sldId id="256" r:id="rId2"/>
     <p:sldId id="257" r:id="rId3"/>
     <p:sldId id="258" r:id="rId4"/>
+    <p:sldId id="261" r:id="rId5"/>
+    <p:sldId id="262" r:id="rId6"/>
+    <p:sldId id="264" r:id="rId7"/>
   </p:sldIdLst>
   <p:sldSz cx="9144000" cy="6858000" type="screen4x3"/>
   <p:notesSz cx="6858000" cy="9144000"/>
@@ -152,7 +155,7 @@
           <a:blip r:embed="rId3">
             <a:extLst>
               <a:ext uri="{28A0092B-C50C-407E-A947-70E740481C1C}">
-                <a14:useLocalDpi xmlns="" xmlns:a14="http://schemas.microsoft.com/office/drawing/2010/main" val="0"/>
+                <a14:useLocalDpi xmlns:a14="http://schemas.microsoft.com/office/drawing/2010/main" xmlns="" val="0"/>
               </a:ext>
             </a:extLst>
           </a:blip>
@@ -172,7 +175,7 @@
           <a:noFill/>
           <a:extLst>
             <a:ext uri="{909E8E84-426E-40DD-AFC4-6F175D3DCCD1}">
-              <a14:hiddenFill xmlns="" xmlns:a14="http://schemas.microsoft.com/office/drawing/2010/main">
+              <a14:hiddenFill xmlns:a14="http://schemas.microsoft.com/office/drawing/2010/main" xmlns="">
                 <a:solidFill>
                   <a:srgbClr val="FFFFFF"/>
                 </a:solidFill>
@@ -223,7 +226,7 @@
     </p:spTree>
     <p:extLst>
       <p:ext uri="{BB962C8B-B14F-4D97-AF65-F5344CB8AC3E}">
-        <p14:creationId xmlns="" xmlns:p14="http://schemas.microsoft.com/office/powerpoint/2010/main" val="2032416694"/>
+        <p14:creationId xmlns:p14="http://schemas.microsoft.com/office/powerpoint/2010/main" xmlns="" val="2032416694"/>
       </p:ext>
     </p:extLst>
   </p:cSld>
@@ -435,7 +438,7 @@
     </p:spTree>
     <p:extLst>
       <p:ext uri="{BB962C8B-B14F-4D97-AF65-F5344CB8AC3E}">
-        <p14:creationId xmlns="" xmlns:p14="http://schemas.microsoft.com/office/powerpoint/2010/main" val="2825368943"/>
+        <p14:creationId xmlns:p14="http://schemas.microsoft.com/office/powerpoint/2010/main" xmlns="" val="2825368943"/>
       </p:ext>
     </p:extLst>
   </p:cSld>
@@ -647,7 +650,7 @@
     </p:spTree>
     <p:extLst>
       <p:ext uri="{BB962C8B-B14F-4D97-AF65-F5344CB8AC3E}">
-        <p14:creationId xmlns="" xmlns:p14="http://schemas.microsoft.com/office/powerpoint/2010/main" val="2221001295"/>
+        <p14:creationId xmlns:p14="http://schemas.microsoft.com/office/powerpoint/2010/main" xmlns="" val="2221001295"/>
       </p:ext>
     </p:extLst>
   </p:cSld>
@@ -746,7 +749,7 @@
     </p:spTree>
     <p:extLst>
       <p:ext uri="{BB962C8B-B14F-4D97-AF65-F5344CB8AC3E}">
-        <p14:creationId xmlns="" xmlns:p14="http://schemas.microsoft.com/office/powerpoint/2010/main" val="3694015714"/>
+        <p14:creationId xmlns:p14="http://schemas.microsoft.com/office/powerpoint/2010/main" xmlns="" val="3694015714"/>
       </p:ext>
     </p:extLst>
   </p:cSld>
@@ -1024,7 +1027,7 @@
     </p:spTree>
     <p:extLst>
       <p:ext uri="{BB962C8B-B14F-4D97-AF65-F5344CB8AC3E}">
-        <p14:creationId xmlns="" xmlns:p14="http://schemas.microsoft.com/office/powerpoint/2010/main" val="1819799790"/>
+        <p14:creationId xmlns:p14="http://schemas.microsoft.com/office/powerpoint/2010/main" xmlns="" val="1819799790"/>
       </p:ext>
     </p:extLst>
   </p:cSld>
@@ -1352,7 +1355,7 @@
     </p:spTree>
     <p:extLst>
       <p:ext uri="{BB962C8B-B14F-4D97-AF65-F5344CB8AC3E}">
-        <p14:creationId xmlns="" xmlns:p14="http://schemas.microsoft.com/office/powerpoint/2010/main" val="1845900609"/>
+        <p14:creationId xmlns:p14="http://schemas.microsoft.com/office/powerpoint/2010/main" xmlns="" val="1845900609"/>
       </p:ext>
     </p:extLst>
   </p:cSld>
@@ -1820,7 +1823,7 @@
     </p:spTree>
     <p:extLst>
       <p:ext uri="{BB962C8B-B14F-4D97-AF65-F5344CB8AC3E}">
-        <p14:creationId xmlns="" xmlns:p14="http://schemas.microsoft.com/office/powerpoint/2010/main" val="1834140844"/>
+        <p14:creationId xmlns:p14="http://schemas.microsoft.com/office/powerpoint/2010/main" xmlns="" val="1834140844"/>
       </p:ext>
     </p:extLst>
   </p:cSld>
@@ -1972,7 +1975,7 @@
     </p:spTree>
     <p:extLst>
       <p:ext uri="{BB962C8B-B14F-4D97-AF65-F5344CB8AC3E}">
-        <p14:creationId xmlns="" xmlns:p14="http://schemas.microsoft.com/office/powerpoint/2010/main" val="3978738694"/>
+        <p14:creationId xmlns:p14="http://schemas.microsoft.com/office/powerpoint/2010/main" xmlns="" val="3978738694"/>
       </p:ext>
     </p:extLst>
   </p:cSld>
@@ -2093,7 +2096,7 @@
     </p:spTree>
     <p:extLst>
       <p:ext uri="{BB962C8B-B14F-4D97-AF65-F5344CB8AC3E}">
-        <p14:creationId xmlns="" xmlns:p14="http://schemas.microsoft.com/office/powerpoint/2010/main" val="3760371323"/>
+        <p14:creationId xmlns:p14="http://schemas.microsoft.com/office/powerpoint/2010/main" xmlns="" val="3760371323"/>
       </p:ext>
     </p:extLst>
   </p:cSld>
@@ -2405,7 +2408,7 @@
     </p:spTree>
     <p:extLst>
       <p:ext uri="{BB962C8B-B14F-4D97-AF65-F5344CB8AC3E}">
-        <p14:creationId xmlns="" xmlns:p14="http://schemas.microsoft.com/office/powerpoint/2010/main" val="2046782160"/>
+        <p14:creationId xmlns:p14="http://schemas.microsoft.com/office/powerpoint/2010/main" xmlns="" val="2046782160"/>
       </p:ext>
     </p:extLst>
   </p:cSld>
@@ -2693,7 +2696,7 @@
     </p:spTree>
     <p:extLst>
       <p:ext uri="{BB962C8B-B14F-4D97-AF65-F5344CB8AC3E}">
-        <p14:creationId xmlns="" xmlns:p14="http://schemas.microsoft.com/office/powerpoint/2010/main" val="2028806487"/>
+        <p14:creationId xmlns:p14="http://schemas.microsoft.com/office/powerpoint/2010/main" xmlns="" val="2028806487"/>
       </p:ext>
     </p:extLst>
   </p:cSld>
@@ -2737,7 +2740,7 @@
     </p:spTree>
     <p:extLst>
       <p:ext uri="{BB962C8B-B14F-4D97-AF65-F5344CB8AC3E}">
-        <p14:creationId xmlns="" xmlns:p14="http://schemas.microsoft.com/office/powerpoint/2010/main" val="437338208"/>
+        <p14:creationId xmlns:p14="http://schemas.microsoft.com/office/powerpoint/2010/main" xmlns="" val="437338208"/>
       </p:ext>
     </p:extLst>
   </p:cSld>
@@ -3107,13 +3110,20 @@
     </p:spTree>
     <p:extLst>
       <p:ext uri="{BB962C8B-B14F-4D97-AF65-F5344CB8AC3E}">
-        <p14:creationId xmlns="" xmlns:p14="http://schemas.microsoft.com/office/powerpoint/2010/main" val="1941221791"/>
+        <p14:creationId xmlns:p14="http://schemas.microsoft.com/office/powerpoint/2010/main" xmlns="" val="1941221791"/>
       </p:ext>
     </p:extLst>
   </p:cSld>
   <p:clrMapOvr>
     <a:masterClrMapping/>
   </p:clrMapOvr>
+  <p:timing>
+    <p:tnLst>
+      <p:par>
+        <p:cTn id="1" dur="indefinite" restart="never" nodeType="tmRoot"/>
+      </p:par>
+    </p:tnLst>
+  </p:timing>
 </p:sld>
 </file>
 
@@ -3553,13 +3563,20 @@
     </p:spTree>
     <p:extLst>
       <p:ext uri="{BB962C8B-B14F-4D97-AF65-F5344CB8AC3E}">
-        <p14:creationId xmlns="" xmlns:p14="http://schemas.microsoft.com/office/powerpoint/2010/main" val="891763176"/>
+        <p14:creationId xmlns:p14="http://schemas.microsoft.com/office/powerpoint/2010/main" xmlns="" val="891763176"/>
       </p:ext>
     </p:extLst>
   </p:cSld>
   <p:clrMapOvr>
     <a:masterClrMapping/>
   </p:clrMapOvr>
+  <p:timing>
+    <p:tnLst>
+      <p:par>
+        <p:cTn id="1" dur="indefinite" restart="never" nodeType="tmRoot"/>
+      </p:par>
+    </p:tnLst>
+  </p:timing>
 </p:sld>
 </file>
 
@@ -3760,13 +3777,1104 @@
     </p:spTree>
     <p:extLst>
       <p:ext uri="{BB962C8B-B14F-4D97-AF65-F5344CB8AC3E}">
-        <p14:creationId xmlns="" xmlns:p14="http://schemas.microsoft.com/office/powerpoint/2010/main" val="891763176"/>
+        <p14:creationId xmlns:p14="http://schemas.microsoft.com/office/powerpoint/2010/main" xmlns="" val="891763176"/>
       </p:ext>
     </p:extLst>
   </p:cSld>
   <p:clrMapOvr>
     <a:masterClrMapping/>
   </p:clrMapOvr>
+  <p:timing>
+    <p:tnLst>
+      <p:par>
+        <p:cTn id="1" dur="indefinite" restart="never" nodeType="tmRoot"/>
+      </p:par>
+    </p:tnLst>
+  </p:timing>
+</p:sld>
+</file>
+
+<file path=ppt/slides/slide4.xml><?xml version="1.0" encoding="utf-8"?>
+<p:sld xmlns:a="http://schemas.openxmlformats.org/drawingml/2006/main" xmlns:r="http://schemas.openxmlformats.org/officeDocument/2006/relationships" xmlns:p="http://schemas.openxmlformats.org/presentationml/2006/main">
+  <p:cSld>
+    <p:spTree>
+      <p:nvGrpSpPr>
+        <p:cNvPr id="1" name=""/>
+        <p:cNvGrpSpPr/>
+        <p:nvPr/>
+      </p:nvGrpSpPr>
+      <p:grpSpPr>
+        <a:xfrm>
+          <a:off x="0" y="0"/>
+          <a:ext cx="0" cy="0"/>
+          <a:chOff x="0" y="0"/>
+          <a:chExt cx="0" cy="0"/>
+        </a:xfrm>
+      </p:grpSpPr>
+      <p:sp>
+        <p:nvSpPr>
+          <p:cNvPr id="2" name="Title 1"/>
+          <p:cNvSpPr>
+            <a:spLocks noGrp="1"/>
+          </p:cNvSpPr>
+          <p:nvPr>
+            <p:ph type="title"/>
+          </p:nvPr>
+        </p:nvSpPr>
+        <p:spPr>
+          <a:xfrm>
+            <a:off x="1259632" y="0"/>
+            <a:ext cx="7884368" cy="1069514"/>
+          </a:xfrm>
+        </p:spPr>
+        <p:txBody>
+          <a:bodyPr/>
+          <a:lstStyle/>
+          <a:p>
+            <a:r>
+              <a:rPr lang="en-US" altLang="ko-KR" sz="4400" dirty="0" smtClean="0">
+                <a:solidFill>
+                  <a:schemeClr val="tx1">
+                    <a:lumMod val="75000"/>
+                    <a:lumOff val="25000"/>
+                  </a:schemeClr>
+                </a:solidFill>
+                <a:latin typeface="Calibri" pitchFamily="34" charset="0"/>
+                <a:ea typeface="Arial Unicode MS" pitchFamily="50" charset="-127"/>
+                <a:cs typeface="Calibri" pitchFamily="34" charset="0"/>
+              </a:rPr>
+              <a:t>Salary</a:t>
+            </a:r>
+            <a:r>
+              <a:rPr lang="en-US" altLang="ko-KR" sz="4400" dirty="0" smtClean="0">
+                <a:solidFill>
+                  <a:schemeClr val="tx1">
+                    <a:lumMod val="75000"/>
+                    <a:lumOff val="25000"/>
+                  </a:schemeClr>
+                </a:solidFill>
+                <a:latin typeface="Calibri" pitchFamily="34" charset="0"/>
+                <a:ea typeface="Arial Unicode MS" pitchFamily="50" charset="-127"/>
+                <a:cs typeface="Calibri" pitchFamily="34" charset="0"/>
+              </a:rPr>
+              <a:t> </a:t>
+            </a:r>
+            <a:r>
+              <a:rPr lang="en-US" altLang="ko-KR" sz="4400" dirty="0" smtClean="0">
+                <a:solidFill>
+                  <a:schemeClr val="tx1">
+                    <a:lumMod val="75000"/>
+                    <a:lumOff val="25000"/>
+                  </a:schemeClr>
+                </a:solidFill>
+                <a:latin typeface="Calibri" pitchFamily="34" charset="0"/>
+                <a:ea typeface="Arial Unicode MS" pitchFamily="50" charset="-127"/>
+                <a:cs typeface="Calibri" pitchFamily="34" charset="0"/>
+              </a:rPr>
+              <a:t>Management</a:t>
+            </a:r>
+            <a:endParaRPr lang="ko-KR" altLang="en-US" sz="4400" dirty="0">
+              <a:solidFill>
+                <a:schemeClr val="tx1">
+                  <a:lumMod val="75000"/>
+                  <a:lumOff val="25000"/>
+                </a:schemeClr>
+              </a:solidFill>
+              <a:latin typeface="Calibri" pitchFamily="34" charset="0"/>
+              <a:ea typeface="Arial Unicode MS" pitchFamily="50" charset="-127"/>
+              <a:cs typeface="Calibri" pitchFamily="34" charset="0"/>
+            </a:endParaRPr>
+          </a:p>
+        </p:txBody>
+      </p:sp>
+      <p:sp>
+        <p:nvSpPr>
+          <p:cNvPr id="3" name="Content Placeholder 2"/>
+          <p:cNvSpPr>
+            <a:spLocks noGrp="1"/>
+          </p:cNvSpPr>
+          <p:nvPr>
+            <p:ph idx="1"/>
+          </p:nvPr>
+        </p:nvSpPr>
+        <p:spPr>
+          <a:xfrm>
+            <a:off x="1835696" y="1484784"/>
+            <a:ext cx="6851104" cy="4525963"/>
+          </a:xfrm>
+        </p:spPr>
+        <p:txBody>
+          <a:bodyPr>
+            <a:normAutofit/>
+          </a:bodyPr>
+          <a:lstStyle/>
+          <a:p>
+            <a:pPr>
+              <a:lnSpc>
+                <a:spcPct val="120000"/>
+              </a:lnSpc>
+            </a:pPr>
+            <a:r>
+              <a:rPr lang="ko-KR" altLang="en-US" sz="3000" dirty="0" smtClean="0">
+                <a:solidFill>
+                  <a:schemeClr val="tx1">
+                    <a:lumMod val="75000"/>
+                    <a:lumOff val="25000"/>
+                  </a:schemeClr>
+                </a:solidFill>
+                <a:latin typeface="Calibri" pitchFamily="34" charset="0"/>
+                <a:cs typeface="Calibri" pitchFamily="34" charset="0"/>
+              </a:rPr>
+              <a:t>급여 관리 </a:t>
+            </a:r>
+            <a:r>
+              <a:rPr lang="ko-KR" altLang="en-US" sz="3000" dirty="0" smtClean="0">
+                <a:solidFill>
+                  <a:schemeClr val="tx1">
+                    <a:lumMod val="75000"/>
+                    <a:lumOff val="25000"/>
+                  </a:schemeClr>
+                </a:solidFill>
+                <a:latin typeface="Calibri" pitchFamily="34" charset="0"/>
+                <a:cs typeface="Calibri" pitchFamily="34" charset="0"/>
+              </a:rPr>
+              <a:t>페이지</a:t>
+            </a:r>
+            <a:endParaRPr lang="en-US" altLang="ko-KR" sz="3000" dirty="0" smtClean="0">
+              <a:solidFill>
+                <a:schemeClr val="tx1">
+                  <a:lumMod val="75000"/>
+                  <a:lumOff val="25000"/>
+                </a:schemeClr>
+              </a:solidFill>
+              <a:latin typeface="Calibri" pitchFamily="34" charset="0"/>
+              <a:cs typeface="Calibri" pitchFamily="34" charset="0"/>
+            </a:endParaRPr>
+          </a:p>
+          <a:p>
+            <a:pPr>
+              <a:lnSpc>
+                <a:spcPct val="120000"/>
+              </a:lnSpc>
+              <a:buFont typeface="Wingdings" pitchFamily="2" charset="2"/>
+              <a:buChar char="ü"/>
+            </a:pPr>
+            <a:r>
+              <a:rPr lang="ko-KR" altLang="en-US" sz="1900" dirty="0" smtClean="0">
+                <a:solidFill>
+                  <a:schemeClr val="tx1">
+                    <a:lumMod val="50000"/>
+                    <a:lumOff val="50000"/>
+                  </a:schemeClr>
+                </a:solidFill>
+                <a:latin typeface="Calibri" pitchFamily="34" charset="0"/>
+                <a:cs typeface="Calibri" pitchFamily="34" charset="0"/>
+              </a:rPr>
+              <a:t>직원</a:t>
+            </a:r>
+            <a:r>
+              <a:rPr lang="en-US" altLang="ko-KR" sz="1900" dirty="0" smtClean="0">
+                <a:solidFill>
+                  <a:schemeClr val="tx1">
+                    <a:lumMod val="50000"/>
+                    <a:lumOff val="50000"/>
+                  </a:schemeClr>
+                </a:solidFill>
+                <a:latin typeface="Calibri" pitchFamily="34" charset="0"/>
+                <a:cs typeface="Calibri" pitchFamily="34" charset="0"/>
+              </a:rPr>
+              <a:t>(</a:t>
+            </a:r>
+            <a:r>
+              <a:rPr lang="ko-KR" altLang="en-US" sz="1900" dirty="0" smtClean="0">
+                <a:solidFill>
+                  <a:schemeClr val="tx1">
+                    <a:lumMod val="50000"/>
+                    <a:lumOff val="50000"/>
+                  </a:schemeClr>
+                </a:solidFill>
+                <a:latin typeface="Calibri" pitchFamily="34" charset="0"/>
+                <a:cs typeface="Calibri" pitchFamily="34" charset="0"/>
+              </a:rPr>
+              <a:t>관리자 및 사용자</a:t>
+            </a:r>
+            <a:r>
+              <a:rPr lang="en-US" altLang="ko-KR" sz="1900" dirty="0" smtClean="0">
+                <a:solidFill>
+                  <a:schemeClr val="tx1">
+                    <a:lumMod val="50000"/>
+                    <a:lumOff val="50000"/>
+                  </a:schemeClr>
+                </a:solidFill>
+                <a:latin typeface="Calibri" pitchFamily="34" charset="0"/>
+                <a:cs typeface="Calibri" pitchFamily="34" charset="0"/>
+              </a:rPr>
+              <a:t>)</a:t>
+            </a:r>
+            <a:r>
+              <a:rPr lang="ko-KR" altLang="en-US" sz="1900" dirty="0" smtClean="0">
+                <a:solidFill>
+                  <a:schemeClr val="tx1">
+                    <a:lumMod val="50000"/>
+                    <a:lumOff val="50000"/>
+                  </a:schemeClr>
+                </a:solidFill>
+                <a:latin typeface="Calibri" pitchFamily="34" charset="0"/>
+                <a:cs typeface="Calibri" pitchFamily="34" charset="0"/>
+              </a:rPr>
+              <a:t>의 급여 관리할 수 있는 폼</a:t>
+            </a:r>
+            <a:endParaRPr lang="en-US" altLang="ko-KR" sz="2200" dirty="0" smtClean="0">
+              <a:solidFill>
+                <a:schemeClr val="tx1">
+                  <a:lumMod val="50000"/>
+                  <a:lumOff val="50000"/>
+                </a:schemeClr>
+              </a:solidFill>
+              <a:latin typeface="Calibri" pitchFamily="34" charset="0"/>
+              <a:cs typeface="Calibri" pitchFamily="34" charset="0"/>
+            </a:endParaRPr>
+          </a:p>
+          <a:p>
+            <a:pPr>
+              <a:buFont typeface="Wingdings" pitchFamily="2" charset="2"/>
+              <a:buChar char="ü"/>
+            </a:pPr>
+            <a:endParaRPr lang="en-US" altLang="ko-KR" sz="2200" dirty="0" smtClean="0">
+              <a:solidFill>
+                <a:schemeClr val="tx1">
+                  <a:lumMod val="50000"/>
+                  <a:lumOff val="50000"/>
+                </a:schemeClr>
+              </a:solidFill>
+              <a:latin typeface="Calibri" pitchFamily="34" charset="0"/>
+              <a:cs typeface="Calibri" pitchFamily="34" charset="0"/>
+            </a:endParaRPr>
+          </a:p>
+          <a:p>
+            <a:pPr>
+              <a:lnSpc>
+                <a:spcPct val="120000"/>
+              </a:lnSpc>
+            </a:pPr>
+            <a:r>
+              <a:rPr lang="ko-KR" altLang="en-US" sz="3000" dirty="0" smtClean="0">
+                <a:solidFill>
+                  <a:schemeClr val="tx1">
+                    <a:lumMod val="75000"/>
+                    <a:lumOff val="25000"/>
+                  </a:schemeClr>
+                </a:solidFill>
+                <a:latin typeface="Calibri" pitchFamily="34" charset="0"/>
+                <a:cs typeface="Calibri" pitchFamily="34" charset="0"/>
+              </a:rPr>
+              <a:t>직원</a:t>
+            </a:r>
+            <a:r>
+              <a:rPr lang="en-US" altLang="ko-KR" sz="3000" dirty="0" smtClean="0">
+                <a:solidFill>
+                  <a:schemeClr val="tx1">
+                    <a:lumMod val="75000"/>
+                    <a:lumOff val="25000"/>
+                  </a:schemeClr>
+                </a:solidFill>
+                <a:latin typeface="Calibri" pitchFamily="34" charset="0"/>
+                <a:cs typeface="Calibri" pitchFamily="34" charset="0"/>
+              </a:rPr>
+              <a:t>(</a:t>
+            </a:r>
+            <a:r>
+              <a:rPr lang="ko-KR" altLang="en-US" sz="3000" dirty="0" smtClean="0">
+                <a:solidFill>
+                  <a:schemeClr val="tx1">
+                    <a:lumMod val="75000"/>
+                    <a:lumOff val="25000"/>
+                  </a:schemeClr>
+                </a:solidFill>
+                <a:latin typeface="Calibri" pitchFamily="34" charset="0"/>
+                <a:cs typeface="Calibri" pitchFamily="34" charset="0"/>
+              </a:rPr>
+              <a:t>관리자 및 사용자</a:t>
+            </a:r>
+            <a:r>
+              <a:rPr lang="en-US" altLang="ko-KR" sz="3000" dirty="0" smtClean="0">
+                <a:solidFill>
+                  <a:schemeClr val="tx1">
+                    <a:lumMod val="75000"/>
+                    <a:lumOff val="25000"/>
+                  </a:schemeClr>
+                </a:solidFill>
+                <a:latin typeface="Calibri" pitchFamily="34" charset="0"/>
+                <a:cs typeface="Calibri" pitchFamily="34" charset="0"/>
+              </a:rPr>
+              <a:t>)</a:t>
+            </a:r>
+            <a:r>
+              <a:rPr lang="ko-KR" altLang="en-US" sz="3000" dirty="0" smtClean="0">
+                <a:solidFill>
+                  <a:schemeClr val="tx1">
+                    <a:lumMod val="75000"/>
+                    <a:lumOff val="25000"/>
+                  </a:schemeClr>
+                </a:solidFill>
+                <a:latin typeface="Calibri" pitchFamily="34" charset="0"/>
+                <a:cs typeface="Calibri" pitchFamily="34" charset="0"/>
+              </a:rPr>
+              <a:t> 급여 </a:t>
+            </a:r>
+            <a:r>
+              <a:rPr lang="ko-KR" altLang="en-US" sz="3000" dirty="0" smtClean="0">
+                <a:solidFill>
+                  <a:schemeClr val="tx1">
+                    <a:lumMod val="75000"/>
+                    <a:lumOff val="25000"/>
+                  </a:schemeClr>
+                </a:solidFill>
+                <a:latin typeface="Calibri" pitchFamily="34" charset="0"/>
+                <a:cs typeface="Calibri" pitchFamily="34" charset="0"/>
+              </a:rPr>
+              <a:t>관리</a:t>
+            </a:r>
+            <a:endParaRPr lang="en-US" altLang="ko-KR" sz="3000" dirty="0" smtClean="0">
+              <a:solidFill>
+                <a:schemeClr val="tx1">
+                  <a:lumMod val="75000"/>
+                  <a:lumOff val="25000"/>
+                </a:schemeClr>
+              </a:solidFill>
+              <a:latin typeface="Calibri" pitchFamily="34" charset="0"/>
+              <a:cs typeface="Calibri" pitchFamily="34" charset="0"/>
+            </a:endParaRPr>
+          </a:p>
+          <a:p>
+            <a:pPr>
+              <a:lnSpc>
+                <a:spcPct val="120000"/>
+              </a:lnSpc>
+              <a:buFont typeface="Wingdings" pitchFamily="2" charset="2"/>
+              <a:buChar char="ü"/>
+            </a:pPr>
+            <a:r>
+              <a:rPr lang="ko-KR" altLang="en-US" sz="1900" dirty="0" smtClean="0">
+                <a:solidFill>
+                  <a:schemeClr val="tx1">
+                    <a:lumMod val="50000"/>
+                    <a:lumOff val="50000"/>
+                  </a:schemeClr>
+                </a:solidFill>
+                <a:latin typeface="Calibri" pitchFamily="34" charset="0"/>
+                <a:cs typeface="Calibri" pitchFamily="34" charset="0"/>
+              </a:rPr>
+              <a:t>직원</a:t>
+            </a:r>
+            <a:r>
+              <a:rPr lang="en-US" altLang="ko-KR" sz="1900" dirty="0" smtClean="0">
+                <a:solidFill>
+                  <a:schemeClr val="tx1">
+                    <a:lumMod val="50000"/>
+                    <a:lumOff val="50000"/>
+                  </a:schemeClr>
+                </a:solidFill>
+                <a:latin typeface="Calibri" pitchFamily="34" charset="0"/>
+                <a:cs typeface="Calibri" pitchFamily="34" charset="0"/>
+              </a:rPr>
+              <a:t>(</a:t>
+            </a:r>
+            <a:r>
+              <a:rPr lang="ko-KR" altLang="en-US" sz="1900" dirty="0" smtClean="0">
+                <a:solidFill>
+                  <a:schemeClr val="tx1">
+                    <a:lumMod val="50000"/>
+                    <a:lumOff val="50000"/>
+                  </a:schemeClr>
+                </a:solidFill>
+                <a:latin typeface="Calibri" pitchFamily="34" charset="0"/>
+                <a:cs typeface="Calibri" pitchFamily="34" charset="0"/>
+              </a:rPr>
+              <a:t>관리자 및 사용자</a:t>
+            </a:r>
+            <a:r>
+              <a:rPr lang="en-US" altLang="ko-KR" sz="1900" dirty="0" smtClean="0">
+                <a:solidFill>
+                  <a:schemeClr val="tx1">
+                    <a:lumMod val="50000"/>
+                    <a:lumOff val="50000"/>
+                  </a:schemeClr>
+                </a:solidFill>
+                <a:latin typeface="Calibri" pitchFamily="34" charset="0"/>
+                <a:cs typeface="Calibri" pitchFamily="34" charset="0"/>
+              </a:rPr>
+              <a:t>)</a:t>
+            </a:r>
+            <a:r>
+              <a:rPr lang="ko-KR" altLang="en-US" sz="1900" dirty="0" smtClean="0">
+                <a:solidFill>
+                  <a:schemeClr val="tx1">
+                    <a:lumMod val="50000"/>
+                    <a:lumOff val="50000"/>
+                  </a:schemeClr>
+                </a:solidFill>
+                <a:latin typeface="Calibri" pitchFamily="34" charset="0"/>
+                <a:cs typeface="Calibri" pitchFamily="34" charset="0"/>
+              </a:rPr>
+              <a:t>의 급여 </a:t>
+            </a:r>
+            <a:r>
+              <a:rPr lang="ko-KR" altLang="en-US" sz="1900" dirty="0" smtClean="0">
+                <a:solidFill>
+                  <a:schemeClr val="tx1">
+                    <a:lumMod val="50000"/>
+                    <a:lumOff val="50000"/>
+                  </a:schemeClr>
+                </a:solidFill>
+                <a:latin typeface="Calibri" pitchFamily="34" charset="0"/>
+                <a:cs typeface="Calibri" pitchFamily="34" charset="0"/>
+              </a:rPr>
+              <a:t>관리 </a:t>
+            </a:r>
+            <a:r>
+              <a:rPr lang="ko-KR" altLang="en-US" sz="1900" dirty="0" smtClean="0">
+                <a:solidFill>
+                  <a:schemeClr val="tx1">
+                    <a:lumMod val="50000"/>
+                    <a:lumOff val="50000"/>
+                  </a:schemeClr>
+                </a:solidFill>
+                <a:latin typeface="Calibri" pitchFamily="34" charset="0"/>
+                <a:cs typeface="Calibri" pitchFamily="34" charset="0"/>
+              </a:rPr>
+              <a:t> </a:t>
+            </a:r>
+            <a:r>
+              <a:rPr lang="ko-KR" altLang="en-US" sz="1900" dirty="0" smtClean="0">
+                <a:solidFill>
+                  <a:schemeClr val="tx1">
+                    <a:lumMod val="50000"/>
+                    <a:lumOff val="50000"/>
+                  </a:schemeClr>
+                </a:solidFill>
+                <a:latin typeface="Calibri" pitchFamily="34" charset="0"/>
+                <a:cs typeface="Calibri" pitchFamily="34" charset="0"/>
+              </a:rPr>
+              <a:t>추가</a:t>
+            </a:r>
+            <a:r>
+              <a:rPr lang="ko-KR" altLang="en-US" sz="1900" dirty="0" smtClean="0">
+                <a:solidFill>
+                  <a:schemeClr val="tx1">
+                    <a:lumMod val="50000"/>
+                    <a:lumOff val="50000"/>
+                  </a:schemeClr>
+                </a:solidFill>
+                <a:latin typeface="굴림체"/>
+                <a:ea typeface="굴림체"/>
+                <a:cs typeface="Calibri" pitchFamily="34" charset="0"/>
+              </a:rPr>
+              <a:t>ㆍ</a:t>
+            </a:r>
+            <a:r>
+              <a:rPr lang="ko-KR" altLang="en-US" sz="1900" dirty="0" smtClean="0">
+                <a:solidFill>
+                  <a:schemeClr val="tx1">
+                    <a:lumMod val="50000"/>
+                    <a:lumOff val="50000"/>
+                  </a:schemeClr>
+                </a:solidFill>
+                <a:latin typeface="Calibri" pitchFamily="34" charset="0"/>
+                <a:cs typeface="Calibri" pitchFamily="34" charset="0"/>
+              </a:rPr>
+              <a:t>수정</a:t>
+            </a:r>
+            <a:r>
+              <a:rPr lang="ko-KR" altLang="en-US" sz="1900" dirty="0" smtClean="0">
+                <a:solidFill>
+                  <a:schemeClr val="tx1">
+                    <a:lumMod val="50000"/>
+                    <a:lumOff val="50000"/>
+                  </a:schemeClr>
+                </a:solidFill>
+                <a:latin typeface="굴림체"/>
+                <a:ea typeface="굴림체"/>
+                <a:cs typeface="Calibri" pitchFamily="34" charset="0"/>
+              </a:rPr>
+              <a:t>ㆍ</a:t>
+            </a:r>
+            <a:r>
+              <a:rPr lang="ko-KR" altLang="en-US" sz="1900" dirty="0" smtClean="0">
+                <a:solidFill>
+                  <a:schemeClr val="tx1">
+                    <a:lumMod val="50000"/>
+                    <a:lumOff val="50000"/>
+                  </a:schemeClr>
+                </a:solidFill>
+                <a:latin typeface="Calibri" pitchFamily="34" charset="0"/>
+                <a:cs typeface="Calibri" pitchFamily="34" charset="0"/>
+              </a:rPr>
+              <a:t>삭제  가능</a:t>
+            </a:r>
+            <a:endParaRPr lang="en-US" altLang="ko-KR" sz="1900" dirty="0" smtClean="0">
+              <a:solidFill>
+                <a:schemeClr val="tx1">
+                  <a:lumMod val="50000"/>
+                  <a:lumOff val="50000"/>
+                </a:schemeClr>
+              </a:solidFill>
+              <a:latin typeface="Calibri" pitchFamily="34" charset="0"/>
+              <a:cs typeface="Calibri" pitchFamily="34" charset="0"/>
+            </a:endParaRPr>
+          </a:p>
+          <a:p>
+            <a:pPr>
+              <a:lnSpc>
+                <a:spcPct val="120000"/>
+              </a:lnSpc>
+              <a:buFont typeface="Wingdings" pitchFamily="2" charset="2"/>
+              <a:buChar char="ü"/>
+            </a:pPr>
+            <a:r>
+              <a:rPr lang="ko-KR" altLang="en-US" sz="1900" dirty="0" smtClean="0">
+                <a:solidFill>
+                  <a:schemeClr val="tx1">
+                    <a:lumMod val="50000"/>
+                    <a:lumOff val="50000"/>
+                  </a:schemeClr>
+                </a:solidFill>
+                <a:latin typeface="Calibri" pitchFamily="34" charset="0"/>
+                <a:cs typeface="Calibri" pitchFamily="34" charset="0"/>
+              </a:rPr>
+              <a:t>직급</a:t>
+            </a:r>
+            <a:r>
+              <a:rPr lang="en-US" altLang="ko-KR" sz="1900" dirty="0" smtClean="0">
+                <a:solidFill>
+                  <a:schemeClr val="tx1">
+                    <a:lumMod val="50000"/>
+                    <a:lumOff val="50000"/>
+                  </a:schemeClr>
+                </a:solidFill>
+                <a:latin typeface="Calibri" pitchFamily="34" charset="0"/>
+                <a:cs typeface="Calibri" pitchFamily="34" charset="0"/>
+              </a:rPr>
+              <a:t>(</a:t>
+            </a:r>
+            <a:r>
+              <a:rPr lang="ko-KR" altLang="en-US" sz="1900" dirty="0" smtClean="0">
+                <a:solidFill>
+                  <a:schemeClr val="tx1">
+                    <a:lumMod val="50000"/>
+                    <a:lumOff val="50000"/>
+                  </a:schemeClr>
+                </a:solidFill>
+                <a:latin typeface="Calibri" pitchFamily="34" charset="0"/>
+                <a:cs typeface="Calibri" pitchFamily="34" charset="0"/>
+              </a:rPr>
+              <a:t>인턴 및 직원</a:t>
+            </a:r>
+            <a:r>
+              <a:rPr lang="en-US" altLang="ko-KR" sz="1900" dirty="0" smtClean="0">
+                <a:solidFill>
+                  <a:schemeClr val="tx1">
+                    <a:lumMod val="50000"/>
+                    <a:lumOff val="50000"/>
+                  </a:schemeClr>
+                </a:solidFill>
+                <a:latin typeface="Calibri" pitchFamily="34" charset="0"/>
+                <a:cs typeface="Calibri" pitchFamily="34" charset="0"/>
+              </a:rPr>
+              <a:t>)</a:t>
+            </a:r>
+            <a:r>
+              <a:rPr lang="ko-KR" altLang="en-US" sz="1900" dirty="0" smtClean="0">
+                <a:solidFill>
+                  <a:schemeClr val="tx1">
+                    <a:lumMod val="50000"/>
+                    <a:lumOff val="50000"/>
+                  </a:schemeClr>
+                </a:solidFill>
+                <a:latin typeface="Calibri" pitchFamily="34" charset="0"/>
+                <a:cs typeface="Calibri" pitchFamily="34" charset="0"/>
+              </a:rPr>
+              <a:t>에 따른 급여 지급일 설정  가능 </a:t>
+            </a:r>
+            <a:endParaRPr lang="en-US" altLang="ko-KR" sz="1900" dirty="0" smtClean="0">
+              <a:solidFill>
+                <a:schemeClr val="tx1">
+                  <a:lumMod val="50000"/>
+                  <a:lumOff val="50000"/>
+                </a:schemeClr>
+              </a:solidFill>
+              <a:latin typeface="Calibri" pitchFamily="34" charset="0"/>
+              <a:cs typeface="Calibri" pitchFamily="34" charset="0"/>
+            </a:endParaRPr>
+          </a:p>
+          <a:p>
+            <a:pPr>
+              <a:lnSpc>
+                <a:spcPct val="120000"/>
+              </a:lnSpc>
+              <a:buFont typeface="Wingdings" pitchFamily="2" charset="2"/>
+              <a:buChar char="ü"/>
+            </a:pPr>
+            <a:r>
+              <a:rPr lang="ko-KR" altLang="en-US" sz="1900" dirty="0" smtClean="0">
+                <a:solidFill>
+                  <a:schemeClr val="tx1">
+                    <a:lumMod val="50000"/>
+                    <a:lumOff val="50000"/>
+                  </a:schemeClr>
+                </a:solidFill>
+                <a:latin typeface="Calibri" pitchFamily="34" charset="0"/>
+                <a:cs typeface="Calibri" pitchFamily="34" charset="0"/>
+              </a:rPr>
+              <a:t>급여 </a:t>
+            </a:r>
+            <a:r>
+              <a:rPr lang="ko-KR" altLang="en-US" sz="1900" dirty="0" smtClean="0">
+                <a:solidFill>
+                  <a:schemeClr val="tx1">
+                    <a:lumMod val="50000"/>
+                    <a:lumOff val="50000"/>
+                  </a:schemeClr>
+                </a:solidFill>
+                <a:latin typeface="Calibri" pitchFamily="34" charset="0"/>
+                <a:cs typeface="Calibri" pitchFamily="34" charset="0"/>
+              </a:rPr>
+              <a:t>등록 시 </a:t>
+            </a:r>
+            <a:r>
+              <a:rPr lang="ko-KR" altLang="en-US" sz="1900" dirty="0" smtClean="0">
+                <a:solidFill>
+                  <a:schemeClr val="tx1">
+                    <a:lumMod val="50000"/>
+                    <a:lumOff val="50000"/>
+                  </a:schemeClr>
+                </a:solidFill>
+                <a:latin typeface="Calibri" pitchFamily="34" charset="0"/>
+                <a:cs typeface="Calibri" pitchFamily="34" charset="0"/>
+              </a:rPr>
+              <a:t>관리자 및 사용자의 </a:t>
+            </a:r>
+            <a:r>
+              <a:rPr lang="ko-KR" altLang="en-US" sz="1900" dirty="0" smtClean="0">
+                <a:solidFill>
+                  <a:schemeClr val="tx1">
+                    <a:lumMod val="50000"/>
+                    <a:lumOff val="50000"/>
+                  </a:schemeClr>
+                </a:solidFill>
+                <a:latin typeface="Calibri" pitchFamily="34" charset="0"/>
+                <a:cs typeface="Calibri" pitchFamily="34" charset="0"/>
+              </a:rPr>
+              <a:t>코드번호 조회 가능</a:t>
+            </a:r>
+            <a:endParaRPr lang="en-US" altLang="ko-KR" sz="1900" dirty="0" smtClean="0">
+              <a:solidFill>
+                <a:schemeClr val="tx1">
+                  <a:lumMod val="50000"/>
+                  <a:lumOff val="50000"/>
+                </a:schemeClr>
+              </a:solidFill>
+              <a:latin typeface="Calibri" pitchFamily="34" charset="0"/>
+              <a:cs typeface="Calibri" pitchFamily="34" charset="0"/>
+            </a:endParaRPr>
+          </a:p>
+          <a:p>
+            <a:pPr>
+              <a:buFont typeface="Wingdings" pitchFamily="2" charset="2"/>
+              <a:buChar char="ü"/>
+            </a:pPr>
+            <a:endParaRPr lang="en-US" altLang="ko-KR" sz="2400" dirty="0" smtClean="0">
+              <a:solidFill>
+                <a:schemeClr val="tx1">
+                  <a:lumMod val="50000"/>
+                  <a:lumOff val="50000"/>
+                </a:schemeClr>
+              </a:solidFill>
+              <a:latin typeface="Calibri" pitchFamily="34" charset="0"/>
+              <a:cs typeface="Calibri" pitchFamily="34" charset="0"/>
+            </a:endParaRPr>
+          </a:p>
+          <a:p>
+            <a:endParaRPr lang="en-US" altLang="ko-KR" sz="4000" dirty="0" smtClean="0">
+              <a:solidFill>
+                <a:schemeClr val="tx1">
+                  <a:lumMod val="75000"/>
+                  <a:lumOff val="25000"/>
+                </a:schemeClr>
+              </a:solidFill>
+              <a:latin typeface="Calibri" pitchFamily="34" charset="0"/>
+              <a:cs typeface="Calibri" pitchFamily="34" charset="0"/>
+            </a:endParaRPr>
+          </a:p>
+          <a:p>
+            <a:endParaRPr lang="en-US" altLang="ko-KR" sz="4000" dirty="0" smtClean="0">
+              <a:solidFill>
+                <a:schemeClr val="tx1">
+                  <a:lumMod val="50000"/>
+                  <a:lumOff val="50000"/>
+                </a:schemeClr>
+              </a:solidFill>
+              <a:latin typeface="Calibri" pitchFamily="34" charset="0"/>
+              <a:cs typeface="Calibri" pitchFamily="34" charset="0"/>
+            </a:endParaRPr>
+          </a:p>
+        </p:txBody>
+      </p:sp>
+    </p:spTree>
+    <p:extLst>
+      <p:ext uri="{BB962C8B-B14F-4D97-AF65-F5344CB8AC3E}">
+        <p14:creationId xmlns:p14="http://schemas.microsoft.com/office/powerpoint/2010/main" xmlns="" val="891763176"/>
+      </p:ext>
+    </p:extLst>
+  </p:cSld>
+  <p:clrMapOvr>
+    <a:masterClrMapping/>
+  </p:clrMapOvr>
+  <p:timing>
+    <p:tnLst>
+      <p:par>
+        <p:cTn id="1" dur="indefinite" restart="never" nodeType="tmRoot"/>
+      </p:par>
+    </p:tnLst>
+  </p:timing>
+</p:sld>
+</file>
+
+<file path=ppt/slides/slide5.xml><?xml version="1.0" encoding="utf-8"?>
+<p:sld xmlns:a="http://schemas.openxmlformats.org/drawingml/2006/main" xmlns:r="http://schemas.openxmlformats.org/officeDocument/2006/relationships" xmlns:p="http://schemas.openxmlformats.org/presentationml/2006/main">
+  <p:cSld>
+    <p:spTree>
+      <p:nvGrpSpPr>
+        <p:cNvPr id="1" name=""/>
+        <p:cNvGrpSpPr/>
+        <p:nvPr/>
+      </p:nvGrpSpPr>
+      <p:grpSpPr>
+        <a:xfrm>
+          <a:off x="0" y="0"/>
+          <a:ext cx="0" cy="0"/>
+          <a:chOff x="0" y="0"/>
+          <a:chExt cx="0" cy="0"/>
+        </a:xfrm>
+      </p:grpSpPr>
+      <p:sp>
+        <p:nvSpPr>
+          <p:cNvPr id="2" name="Title 1"/>
+          <p:cNvSpPr>
+            <a:spLocks noGrp="1"/>
+          </p:cNvSpPr>
+          <p:nvPr>
+            <p:ph type="title"/>
+          </p:nvPr>
+        </p:nvSpPr>
+        <p:spPr>
+          <a:xfrm>
+            <a:off x="1259632" y="0"/>
+            <a:ext cx="7884368" cy="1069514"/>
+          </a:xfrm>
+        </p:spPr>
+        <p:txBody>
+          <a:bodyPr/>
+          <a:lstStyle/>
+          <a:p>
+            <a:r>
+              <a:rPr lang="en-US" altLang="ko-KR" sz="4400" dirty="0" smtClean="0">
+                <a:solidFill>
+                  <a:schemeClr val="tx1">
+                    <a:lumMod val="75000"/>
+                    <a:lumOff val="25000"/>
+                  </a:schemeClr>
+                </a:solidFill>
+                <a:latin typeface="Calibri" pitchFamily="34" charset="0"/>
+                <a:ea typeface="Arial Unicode MS" pitchFamily="50" charset="-127"/>
+                <a:cs typeface="Calibri" pitchFamily="34" charset="0"/>
+              </a:rPr>
+              <a:t>Salary Management</a:t>
+            </a:r>
+            <a:endParaRPr lang="ko-KR" altLang="en-US" sz="4400" dirty="0">
+              <a:solidFill>
+                <a:schemeClr val="tx1">
+                  <a:lumMod val="75000"/>
+                  <a:lumOff val="25000"/>
+                </a:schemeClr>
+              </a:solidFill>
+              <a:latin typeface="Calibri" pitchFamily="34" charset="0"/>
+              <a:ea typeface="Arial Unicode MS" pitchFamily="50" charset="-127"/>
+              <a:cs typeface="Calibri" pitchFamily="34" charset="0"/>
+            </a:endParaRPr>
+          </a:p>
+        </p:txBody>
+      </p:sp>
+      <p:pic>
+        <p:nvPicPr>
+          <p:cNvPr id="1027" name="Picture 3"/>
+          <p:cNvPicPr>
+            <a:picLocks noChangeAspect="1" noChangeArrowheads="1"/>
+          </p:cNvPicPr>
+          <p:nvPr/>
+        </p:nvPicPr>
+        <p:blipFill>
+          <a:blip r:embed="rId2"/>
+          <a:srcRect/>
+          <a:stretch>
+            <a:fillRect/>
+          </a:stretch>
+        </p:blipFill>
+        <p:spPr bwMode="auto">
+          <a:xfrm>
+            <a:off x="1428728" y="1071546"/>
+            <a:ext cx="5500725" cy="2948037"/>
+          </a:xfrm>
+          <a:prstGeom prst="rect">
+            <a:avLst/>
+          </a:prstGeom>
+          <a:noFill/>
+          <a:ln w="9525">
+            <a:solidFill>
+              <a:schemeClr val="tx1"/>
+            </a:solidFill>
+            <a:miter lim="800000"/>
+            <a:headEnd/>
+            <a:tailEnd/>
+          </a:ln>
+          <a:effectLst>
+            <a:outerShdw blurRad="50800" dist="38100" dir="2700000" algn="tl" rotWithShape="0">
+              <a:prstClr val="black">
+                <a:alpha val="40000"/>
+              </a:prstClr>
+            </a:outerShdw>
+          </a:effectLst>
+        </p:spPr>
+      </p:pic>
+      <p:pic>
+        <p:nvPicPr>
+          <p:cNvPr id="2050" name="Picture 2"/>
+          <p:cNvPicPr>
+            <a:picLocks noChangeAspect="1" noChangeArrowheads="1"/>
+          </p:cNvPicPr>
+          <p:nvPr/>
+        </p:nvPicPr>
+        <p:blipFill>
+          <a:blip r:embed="rId3"/>
+          <a:srcRect/>
+          <a:stretch>
+            <a:fillRect/>
+          </a:stretch>
+        </p:blipFill>
+        <p:spPr bwMode="auto">
+          <a:xfrm>
+            <a:off x="3295438" y="3643314"/>
+            <a:ext cx="5348528" cy="2738446"/>
+          </a:xfrm>
+          <a:prstGeom prst="rect">
+            <a:avLst/>
+          </a:prstGeom>
+          <a:noFill/>
+          <a:ln w="9525">
+            <a:solidFill>
+              <a:schemeClr val="tx1"/>
+            </a:solidFill>
+            <a:miter lim="800000"/>
+            <a:headEnd/>
+            <a:tailEnd/>
+          </a:ln>
+          <a:effectLst>
+            <a:outerShdw blurRad="50800" dist="38100" dir="2700000" algn="tl" rotWithShape="0">
+              <a:prstClr val="black">
+                <a:alpha val="40000"/>
+              </a:prstClr>
+            </a:outerShdw>
+          </a:effectLst>
+        </p:spPr>
+      </p:pic>
+    </p:spTree>
+    <p:extLst>
+      <p:ext uri="{BB962C8B-B14F-4D97-AF65-F5344CB8AC3E}">
+        <p14:creationId xmlns:p14="http://schemas.microsoft.com/office/powerpoint/2010/main" xmlns="" val="891763176"/>
+      </p:ext>
+    </p:extLst>
+  </p:cSld>
+  <p:clrMapOvr>
+    <a:masterClrMapping/>
+  </p:clrMapOvr>
+  <p:transition advTm="0"/>
+  <p:timing>
+    <p:tnLst>
+      <p:par>
+        <p:cTn id="1" dur="indefinite" restart="never" nodeType="tmRoot"/>
+      </p:par>
+    </p:tnLst>
+  </p:timing>
+</p:sld>
+</file>
+
+<file path=ppt/slides/slide6.xml><?xml version="1.0" encoding="utf-8"?>
+<p:sld xmlns:a="http://schemas.openxmlformats.org/drawingml/2006/main" xmlns:r="http://schemas.openxmlformats.org/officeDocument/2006/relationships" xmlns:p="http://schemas.openxmlformats.org/presentationml/2006/main">
+  <p:cSld>
+    <p:spTree>
+      <p:nvGrpSpPr>
+        <p:cNvPr id="1" name=""/>
+        <p:cNvGrpSpPr/>
+        <p:nvPr/>
+      </p:nvGrpSpPr>
+      <p:grpSpPr>
+        <a:xfrm>
+          <a:off x="0" y="0"/>
+          <a:ext cx="0" cy="0"/>
+          <a:chOff x="0" y="0"/>
+          <a:chExt cx="0" cy="0"/>
+        </a:xfrm>
+      </p:grpSpPr>
+      <p:sp>
+        <p:nvSpPr>
+          <p:cNvPr id="2" name="Title 1"/>
+          <p:cNvSpPr>
+            <a:spLocks noGrp="1"/>
+          </p:cNvSpPr>
+          <p:nvPr>
+            <p:ph type="title"/>
+          </p:nvPr>
+        </p:nvSpPr>
+        <p:spPr>
+          <a:xfrm>
+            <a:off x="1259632" y="0"/>
+            <a:ext cx="7884368" cy="1069514"/>
+          </a:xfrm>
+        </p:spPr>
+        <p:txBody>
+          <a:bodyPr/>
+          <a:lstStyle/>
+          <a:p>
+            <a:r>
+              <a:rPr lang="en-US" altLang="ko-KR" sz="4400" dirty="0" smtClean="0">
+                <a:solidFill>
+                  <a:schemeClr val="tx1">
+                    <a:lumMod val="75000"/>
+                    <a:lumOff val="25000"/>
+                  </a:schemeClr>
+                </a:solidFill>
+                <a:latin typeface="Calibri" pitchFamily="34" charset="0"/>
+                <a:ea typeface="Arial Unicode MS" pitchFamily="50" charset="-127"/>
+                <a:cs typeface="Calibri" pitchFamily="34" charset="0"/>
+              </a:rPr>
+              <a:t>Salary Management</a:t>
+            </a:r>
+            <a:endParaRPr lang="ko-KR" altLang="en-US" sz="4400" dirty="0">
+              <a:solidFill>
+                <a:schemeClr val="tx1">
+                  <a:lumMod val="75000"/>
+                  <a:lumOff val="25000"/>
+                </a:schemeClr>
+              </a:solidFill>
+              <a:latin typeface="Calibri" pitchFamily="34" charset="0"/>
+              <a:ea typeface="Arial Unicode MS" pitchFamily="50" charset="-127"/>
+              <a:cs typeface="Calibri" pitchFamily="34" charset="0"/>
+            </a:endParaRPr>
+          </a:p>
+        </p:txBody>
+      </p:sp>
+      <p:pic>
+        <p:nvPicPr>
+          <p:cNvPr id="2051" name="Picture 3"/>
+          <p:cNvPicPr>
+            <a:picLocks noGrp="1" noChangeAspect="1" noChangeArrowheads="1"/>
+          </p:cNvPicPr>
+          <p:nvPr>
+            <p:ph idx="1"/>
+          </p:nvPr>
+        </p:nvPicPr>
+        <p:blipFill>
+          <a:blip r:embed="rId2"/>
+          <a:srcRect/>
+          <a:stretch>
+            <a:fillRect/>
+          </a:stretch>
+        </p:blipFill>
+        <p:spPr bwMode="auto">
+          <a:xfrm>
+            <a:off x="1462865" y="1071546"/>
+            <a:ext cx="5466589" cy="3053568"/>
+          </a:xfrm>
+          <a:prstGeom prst="rect">
+            <a:avLst/>
+          </a:prstGeom>
+          <a:noFill/>
+          <a:ln w="9525">
+            <a:solidFill>
+              <a:schemeClr val="tx1"/>
+            </a:solidFill>
+            <a:miter lim="800000"/>
+            <a:headEnd/>
+            <a:tailEnd/>
+          </a:ln>
+          <a:effectLst>
+            <a:outerShdw blurRad="50800" dist="38100" dir="2700000" algn="tl" rotWithShape="0">
+              <a:prstClr val="black">
+                <a:alpha val="40000"/>
+              </a:prstClr>
+            </a:outerShdw>
+          </a:effectLst>
+        </p:spPr>
+      </p:pic>
+      <p:pic>
+        <p:nvPicPr>
+          <p:cNvPr id="3075" name="Picture 3"/>
+          <p:cNvPicPr>
+            <a:picLocks noChangeAspect="1" noChangeArrowheads="1"/>
+          </p:cNvPicPr>
+          <p:nvPr/>
+        </p:nvPicPr>
+        <p:blipFill>
+          <a:blip r:embed="rId3"/>
+          <a:srcRect/>
+          <a:stretch>
+            <a:fillRect/>
+          </a:stretch>
+        </p:blipFill>
+        <p:spPr bwMode="auto">
+          <a:xfrm>
+            <a:off x="3500430" y="3714752"/>
+            <a:ext cx="5171535" cy="2857520"/>
+          </a:xfrm>
+          <a:prstGeom prst="rect">
+            <a:avLst/>
+          </a:prstGeom>
+          <a:noFill/>
+          <a:ln w="9525">
+            <a:solidFill>
+              <a:schemeClr val="tx1"/>
+            </a:solidFill>
+            <a:miter lim="800000"/>
+            <a:headEnd/>
+            <a:tailEnd/>
+          </a:ln>
+          <a:effectLst>
+            <a:outerShdw blurRad="50800" dist="38100" dir="2700000" algn="tl" rotWithShape="0">
+              <a:prstClr val="black">
+                <a:alpha val="40000"/>
+              </a:prstClr>
+            </a:outerShdw>
+          </a:effectLst>
+        </p:spPr>
+      </p:pic>
+    </p:spTree>
+    <p:extLst>
+      <p:ext uri="{BB962C8B-B14F-4D97-AF65-F5344CB8AC3E}">
+        <p14:creationId xmlns:p14="http://schemas.microsoft.com/office/powerpoint/2010/main" xmlns="" val="891763176"/>
+      </p:ext>
+    </p:extLst>
+  </p:cSld>
+  <p:clrMapOvr>
+    <a:masterClrMapping/>
+  </p:clrMapOvr>
+  <p:transition advTm="0"/>
+  <p:timing>
+    <p:tnLst>
+      <p:par>
+        <p:cTn id="1" dur="indefinite" restart="never" nodeType="tmRoot"/>
+      </p:par>
+    </p:tnLst>
+  </p:timing>
 </p:sld>
 </file>
 

--- a/Info/TeamProjectPPT.pptx
+++ b/Info/TeamProjectPPT.pptx
@@ -11,6 +11,9 @@
     <p:sldId id="261" r:id="rId5"/>
     <p:sldId id="262" r:id="rId6"/>
     <p:sldId id="264" r:id="rId7"/>
+    <p:sldId id="265" r:id="rId8"/>
+    <p:sldId id="267" r:id="rId9"/>
+    <p:sldId id="268" r:id="rId10"/>
   </p:sldIdLst>
   <p:sldSz cx="9144000" cy="6858000" type="screen4x3"/>
   <p:notesSz cx="6858000" cy="9144000"/>
@@ -155,7 +158,7 @@
           <a:blip r:embed="rId3">
             <a:extLst>
               <a:ext uri="{28A0092B-C50C-407E-A947-70E740481C1C}">
-                <a14:useLocalDpi xmlns:a14="http://schemas.microsoft.com/office/drawing/2010/main" xmlns="" val="0"/>
+                <a14:useLocalDpi xmlns="" xmlns:a14="http://schemas.microsoft.com/office/drawing/2010/main" val="0"/>
               </a:ext>
             </a:extLst>
           </a:blip>
@@ -175,7 +178,7 @@
           <a:noFill/>
           <a:extLst>
             <a:ext uri="{909E8E84-426E-40DD-AFC4-6F175D3DCCD1}">
-              <a14:hiddenFill xmlns:a14="http://schemas.microsoft.com/office/drawing/2010/main" xmlns="">
+              <a14:hiddenFill xmlns="" xmlns:a14="http://schemas.microsoft.com/office/drawing/2010/main">
                 <a:solidFill>
                   <a:srgbClr val="FFFFFF"/>
                 </a:solidFill>
@@ -226,7 +229,7 @@
     </p:spTree>
     <p:extLst>
       <p:ext uri="{BB962C8B-B14F-4D97-AF65-F5344CB8AC3E}">
-        <p14:creationId xmlns:p14="http://schemas.microsoft.com/office/powerpoint/2010/main" xmlns="" val="2032416694"/>
+        <p14:creationId xmlns="" xmlns:p14="http://schemas.microsoft.com/office/powerpoint/2010/main" val="2032416694"/>
       </p:ext>
     </p:extLst>
   </p:cSld>
@@ -438,7 +441,7 @@
     </p:spTree>
     <p:extLst>
       <p:ext uri="{BB962C8B-B14F-4D97-AF65-F5344CB8AC3E}">
-        <p14:creationId xmlns:p14="http://schemas.microsoft.com/office/powerpoint/2010/main" xmlns="" val="2825368943"/>
+        <p14:creationId xmlns="" xmlns:p14="http://schemas.microsoft.com/office/powerpoint/2010/main" val="2825368943"/>
       </p:ext>
     </p:extLst>
   </p:cSld>
@@ -650,7 +653,7 @@
     </p:spTree>
     <p:extLst>
       <p:ext uri="{BB962C8B-B14F-4D97-AF65-F5344CB8AC3E}">
-        <p14:creationId xmlns:p14="http://schemas.microsoft.com/office/powerpoint/2010/main" xmlns="" val="2221001295"/>
+        <p14:creationId xmlns="" xmlns:p14="http://schemas.microsoft.com/office/powerpoint/2010/main" val="2221001295"/>
       </p:ext>
     </p:extLst>
   </p:cSld>
@@ -749,7 +752,7 @@
     </p:spTree>
     <p:extLst>
       <p:ext uri="{BB962C8B-B14F-4D97-AF65-F5344CB8AC3E}">
-        <p14:creationId xmlns:p14="http://schemas.microsoft.com/office/powerpoint/2010/main" xmlns="" val="3694015714"/>
+        <p14:creationId xmlns="" xmlns:p14="http://schemas.microsoft.com/office/powerpoint/2010/main" val="3694015714"/>
       </p:ext>
     </p:extLst>
   </p:cSld>
@@ -1027,7 +1030,7 @@
     </p:spTree>
     <p:extLst>
       <p:ext uri="{BB962C8B-B14F-4D97-AF65-F5344CB8AC3E}">
-        <p14:creationId xmlns:p14="http://schemas.microsoft.com/office/powerpoint/2010/main" xmlns="" val="1819799790"/>
+        <p14:creationId xmlns="" xmlns:p14="http://schemas.microsoft.com/office/powerpoint/2010/main" val="1819799790"/>
       </p:ext>
     </p:extLst>
   </p:cSld>
@@ -1355,7 +1358,7 @@
     </p:spTree>
     <p:extLst>
       <p:ext uri="{BB962C8B-B14F-4D97-AF65-F5344CB8AC3E}">
-        <p14:creationId xmlns:p14="http://schemas.microsoft.com/office/powerpoint/2010/main" xmlns="" val="1845900609"/>
+        <p14:creationId xmlns="" xmlns:p14="http://schemas.microsoft.com/office/powerpoint/2010/main" val="1845900609"/>
       </p:ext>
     </p:extLst>
   </p:cSld>
@@ -1823,7 +1826,7 @@
     </p:spTree>
     <p:extLst>
       <p:ext uri="{BB962C8B-B14F-4D97-AF65-F5344CB8AC3E}">
-        <p14:creationId xmlns:p14="http://schemas.microsoft.com/office/powerpoint/2010/main" xmlns="" val="1834140844"/>
+        <p14:creationId xmlns="" xmlns:p14="http://schemas.microsoft.com/office/powerpoint/2010/main" val="1834140844"/>
       </p:ext>
     </p:extLst>
   </p:cSld>
@@ -1975,7 +1978,7 @@
     </p:spTree>
     <p:extLst>
       <p:ext uri="{BB962C8B-B14F-4D97-AF65-F5344CB8AC3E}">
-        <p14:creationId xmlns:p14="http://schemas.microsoft.com/office/powerpoint/2010/main" xmlns="" val="3978738694"/>
+        <p14:creationId xmlns="" xmlns:p14="http://schemas.microsoft.com/office/powerpoint/2010/main" val="3978738694"/>
       </p:ext>
     </p:extLst>
   </p:cSld>
@@ -2096,7 +2099,7 @@
     </p:spTree>
     <p:extLst>
       <p:ext uri="{BB962C8B-B14F-4D97-AF65-F5344CB8AC3E}">
-        <p14:creationId xmlns:p14="http://schemas.microsoft.com/office/powerpoint/2010/main" xmlns="" val="3760371323"/>
+        <p14:creationId xmlns="" xmlns:p14="http://schemas.microsoft.com/office/powerpoint/2010/main" val="3760371323"/>
       </p:ext>
     </p:extLst>
   </p:cSld>
@@ -2408,7 +2411,7 @@
     </p:spTree>
     <p:extLst>
       <p:ext uri="{BB962C8B-B14F-4D97-AF65-F5344CB8AC3E}">
-        <p14:creationId xmlns:p14="http://schemas.microsoft.com/office/powerpoint/2010/main" xmlns="" val="2046782160"/>
+        <p14:creationId xmlns="" xmlns:p14="http://schemas.microsoft.com/office/powerpoint/2010/main" val="2046782160"/>
       </p:ext>
     </p:extLst>
   </p:cSld>
@@ -2696,7 +2699,7 @@
     </p:spTree>
     <p:extLst>
       <p:ext uri="{BB962C8B-B14F-4D97-AF65-F5344CB8AC3E}">
-        <p14:creationId xmlns:p14="http://schemas.microsoft.com/office/powerpoint/2010/main" xmlns="" val="2028806487"/>
+        <p14:creationId xmlns="" xmlns:p14="http://schemas.microsoft.com/office/powerpoint/2010/main" val="2028806487"/>
       </p:ext>
     </p:extLst>
   </p:cSld>
@@ -2740,7 +2743,7 @@
     </p:spTree>
     <p:extLst>
       <p:ext uri="{BB962C8B-B14F-4D97-AF65-F5344CB8AC3E}">
-        <p14:creationId xmlns:p14="http://schemas.microsoft.com/office/powerpoint/2010/main" xmlns="" val="437338208"/>
+        <p14:creationId xmlns="" xmlns:p14="http://schemas.microsoft.com/office/powerpoint/2010/main" val="437338208"/>
       </p:ext>
     </p:extLst>
   </p:cSld>
@@ -3110,7 +3113,7 @@
     </p:spTree>
     <p:extLst>
       <p:ext uri="{BB962C8B-B14F-4D97-AF65-F5344CB8AC3E}">
-        <p14:creationId xmlns:p14="http://schemas.microsoft.com/office/powerpoint/2010/main" xmlns="" val="1941221791"/>
+        <p14:creationId xmlns="" xmlns:p14="http://schemas.microsoft.com/office/powerpoint/2010/main" val="1941221791"/>
       </p:ext>
     </p:extLst>
   </p:cSld>
@@ -3563,7 +3566,7 @@
     </p:spTree>
     <p:extLst>
       <p:ext uri="{BB962C8B-B14F-4D97-AF65-F5344CB8AC3E}">
-        <p14:creationId xmlns:p14="http://schemas.microsoft.com/office/powerpoint/2010/main" xmlns="" val="891763176"/>
+        <p14:creationId xmlns="" xmlns:p14="http://schemas.microsoft.com/office/powerpoint/2010/main" val="891763176"/>
       </p:ext>
     </p:extLst>
   </p:cSld>
@@ -3777,7 +3780,7 @@
     </p:spTree>
     <p:extLst>
       <p:ext uri="{BB962C8B-B14F-4D97-AF65-F5344CB8AC3E}">
-        <p14:creationId xmlns:p14="http://schemas.microsoft.com/office/powerpoint/2010/main" xmlns="" val="891763176"/>
+        <p14:creationId xmlns="" xmlns:p14="http://schemas.microsoft.com/office/powerpoint/2010/main" val="891763176"/>
       </p:ext>
     </p:extLst>
   </p:cSld>
@@ -3843,35 +3846,7 @@
                 <a:ea typeface="Arial Unicode MS" pitchFamily="50" charset="-127"/>
                 <a:cs typeface="Calibri" pitchFamily="34" charset="0"/>
               </a:rPr>
-              <a:t>Salary</a:t>
-            </a:r>
-            <a:r>
-              <a:rPr lang="en-US" altLang="ko-KR" sz="4400" dirty="0" smtClean="0">
-                <a:solidFill>
-                  <a:schemeClr val="tx1">
-                    <a:lumMod val="75000"/>
-                    <a:lumOff val="25000"/>
-                  </a:schemeClr>
-                </a:solidFill>
-                <a:latin typeface="Calibri" pitchFamily="34" charset="0"/>
-                <a:ea typeface="Arial Unicode MS" pitchFamily="50" charset="-127"/>
-                <a:cs typeface="Calibri" pitchFamily="34" charset="0"/>
-              </a:rPr>
-              <a:t> </a:t>
-            </a:r>
-            <a:r>
-              <a:rPr lang="en-US" altLang="ko-KR" sz="4400" dirty="0" smtClean="0">
-                <a:solidFill>
-                  <a:schemeClr val="tx1">
-                    <a:lumMod val="75000"/>
-                    <a:lumOff val="25000"/>
-                  </a:schemeClr>
-                </a:solidFill>
-                <a:latin typeface="Calibri" pitchFamily="34" charset="0"/>
-                <a:ea typeface="Arial Unicode MS" pitchFamily="50" charset="-127"/>
-                <a:cs typeface="Calibri" pitchFamily="34" charset="0"/>
-              </a:rPr>
-              <a:t>Management</a:t>
+              <a:t>Salary Management</a:t>
             </a:r>
             <a:endParaRPr lang="ko-KR" altLang="en-US" sz="4400" dirty="0">
               <a:solidFill>
@@ -3925,20 +3900,7 @@
                 <a:latin typeface="Calibri" pitchFamily="34" charset="0"/>
                 <a:cs typeface="Calibri" pitchFamily="34" charset="0"/>
               </a:rPr>
-              <a:t>급여 관리 </a:t>
-            </a:r>
-            <a:r>
-              <a:rPr lang="ko-KR" altLang="en-US" sz="3000" dirty="0" smtClean="0">
-                <a:solidFill>
-                  <a:schemeClr val="tx1">
-                    <a:lumMod val="75000"/>
-                    <a:lumOff val="25000"/>
-                  </a:schemeClr>
-                </a:solidFill>
-                <a:latin typeface="Calibri" pitchFamily="34" charset="0"/>
-                <a:cs typeface="Calibri" pitchFamily="34" charset="0"/>
-              </a:rPr>
-              <a:t>페이지</a:t>
+              <a:t>급여 관리 페이지</a:t>
             </a:r>
             <a:endParaRPr lang="en-US" altLang="ko-KR" sz="3000" dirty="0" smtClean="0">
               <a:solidFill>
@@ -4120,20 +4082,7 @@
                 <a:latin typeface="Calibri" pitchFamily="34" charset="0"/>
                 <a:cs typeface="Calibri" pitchFamily="34" charset="0"/>
               </a:rPr>
-              <a:t> 급여 </a:t>
-            </a:r>
-            <a:r>
-              <a:rPr lang="ko-KR" altLang="en-US" sz="3000" dirty="0" smtClean="0">
-                <a:solidFill>
-                  <a:schemeClr val="tx1">
-                    <a:lumMod val="75000"/>
-                    <a:lumOff val="25000"/>
-                  </a:schemeClr>
-                </a:solidFill>
-                <a:latin typeface="Calibri" pitchFamily="34" charset="0"/>
-                <a:cs typeface="Calibri" pitchFamily="34" charset="0"/>
-              </a:rPr>
-              <a:t>관리</a:t>
+              <a:t> 급여 관리</a:t>
             </a:r>
             <a:endParaRPr lang="en-US" altLang="ko-KR" sz="3000" dirty="0" smtClean="0">
               <a:solidFill>
@@ -4217,46 +4166,7 @@
                 <a:latin typeface="Calibri" pitchFamily="34" charset="0"/>
                 <a:cs typeface="Calibri" pitchFamily="34" charset="0"/>
               </a:rPr>
-              <a:t>의 급여 </a:t>
-            </a:r>
-            <a:r>
-              <a:rPr lang="ko-KR" altLang="en-US" sz="1900" dirty="0" smtClean="0">
-                <a:solidFill>
-                  <a:schemeClr val="tx1">
-                    <a:lumMod val="50000"/>
-                    <a:lumOff val="50000"/>
-                  </a:schemeClr>
-                </a:solidFill>
-                <a:latin typeface="Calibri" pitchFamily="34" charset="0"/>
-                <a:cs typeface="Calibri" pitchFamily="34" charset="0"/>
-              </a:rPr>
-              <a:t>관리 </a:t>
-            </a:r>
-            <a:r>
-              <a:rPr lang="ko-KR" altLang="en-US" sz="1900" dirty="0" smtClean="0">
-                <a:solidFill>
-                  <a:schemeClr val="tx1">
-                    <a:lumMod val="50000"/>
-                    <a:lumOff val="50000"/>
-                  </a:schemeClr>
-                </a:solidFill>
-                <a:latin typeface="Calibri" pitchFamily="34" charset="0"/>
-                <a:cs typeface="Calibri" pitchFamily="34" charset="0"/>
-              </a:rPr>
-              <a:t> </a:t>
-            </a:r>
-            <a:r>
-              <a:rPr lang="ko-KR" altLang="en-US" sz="1900" dirty="0" smtClean="0">
-                <a:solidFill>
-                  <a:schemeClr val="tx1">
-                    <a:lumMod val="50000"/>
-                    <a:lumOff val="50000"/>
-                  </a:schemeClr>
-                </a:solidFill>
-                <a:latin typeface="Calibri" pitchFamily="34" charset="0"/>
-                <a:cs typeface="Calibri" pitchFamily="34" charset="0"/>
-              </a:rPr>
-              <a:t>추가</a:t>
+              <a:t>의 급여 관리  추가</a:t>
             </a:r>
             <a:r>
               <a:rPr lang="ko-KR" altLang="en-US" sz="1900" dirty="0" smtClean="0">
@@ -4426,46 +4336,7 @@
                 <a:latin typeface="Calibri" pitchFamily="34" charset="0"/>
                 <a:cs typeface="Calibri" pitchFamily="34" charset="0"/>
               </a:rPr>
-              <a:t>급여 </a:t>
-            </a:r>
-            <a:r>
-              <a:rPr lang="ko-KR" altLang="en-US" sz="1900" dirty="0" smtClean="0">
-                <a:solidFill>
-                  <a:schemeClr val="tx1">
-                    <a:lumMod val="50000"/>
-                    <a:lumOff val="50000"/>
-                  </a:schemeClr>
-                </a:solidFill>
-                <a:latin typeface="Calibri" pitchFamily="34" charset="0"/>
-                <a:cs typeface="Calibri" pitchFamily="34" charset="0"/>
-              </a:rPr>
-              <a:t>등록 시 </a:t>
-            </a:r>
-            <a:r>
-              <a:rPr lang="ko-KR" altLang="en-US" sz="1900" dirty="0" smtClean="0">
-                <a:solidFill>
-                  <a:schemeClr val="tx1">
-                    <a:lumMod val="50000"/>
-                    <a:lumOff val="50000"/>
-                  </a:schemeClr>
-                </a:solidFill>
-                <a:latin typeface="Calibri" pitchFamily="34" charset="0"/>
-                <a:cs typeface="Calibri" pitchFamily="34" charset="0"/>
-              </a:rPr>
-              <a:t>관리자 및 사용자의 </a:t>
-            </a:r>
-            <a:r>
-              <a:rPr lang="ko-KR" altLang="en-US" sz="1900" dirty="0" smtClean="0">
-                <a:solidFill>
-                  <a:schemeClr val="tx1">
-                    <a:lumMod val="50000"/>
-                    <a:lumOff val="50000"/>
-                  </a:schemeClr>
-                </a:solidFill>
-                <a:latin typeface="Calibri" pitchFamily="34" charset="0"/>
-                <a:cs typeface="Calibri" pitchFamily="34" charset="0"/>
-              </a:rPr>
-              <a:t>코드번호 조회 가능</a:t>
+              <a:t>급여 등록 시 관리자 및 사용자의 코드번호 조회 가능</a:t>
             </a:r>
             <a:endParaRPr lang="en-US" altLang="ko-KR" sz="1900" dirty="0" smtClean="0">
               <a:solidFill>
@@ -4523,7 +4394,7 @@
     </p:spTree>
     <p:extLst>
       <p:ext uri="{BB962C8B-B14F-4D97-AF65-F5344CB8AC3E}">
-        <p14:creationId xmlns:p14="http://schemas.microsoft.com/office/powerpoint/2010/main" xmlns="" val="891763176"/>
+        <p14:creationId xmlns="" xmlns:p14="http://schemas.microsoft.com/office/powerpoint/2010/main" val="891763176"/>
       </p:ext>
     </p:extLst>
   </p:cSld>
@@ -4690,7 +4561,7 @@
     </p:spTree>
     <p:extLst>
       <p:ext uri="{BB962C8B-B14F-4D97-AF65-F5344CB8AC3E}">
-        <p14:creationId xmlns:p14="http://schemas.microsoft.com/office/powerpoint/2010/main" xmlns="" val="891763176"/>
+        <p14:creationId xmlns="" xmlns:p14="http://schemas.microsoft.com/office/powerpoint/2010/main" val="891763176"/>
       </p:ext>
     </p:extLst>
   </p:cSld>
@@ -4860,7 +4731,7 @@
     </p:spTree>
     <p:extLst>
       <p:ext uri="{BB962C8B-B14F-4D97-AF65-F5344CB8AC3E}">
-        <p14:creationId xmlns:p14="http://schemas.microsoft.com/office/powerpoint/2010/main" xmlns="" val="891763176"/>
+        <p14:creationId xmlns="" xmlns:p14="http://schemas.microsoft.com/office/powerpoint/2010/main" val="891763176"/>
       </p:ext>
     </p:extLst>
   </p:cSld>
@@ -4868,6 +4739,920 @@
     <a:masterClrMapping/>
   </p:clrMapOvr>
   <p:transition advTm="0"/>
+  <p:timing>
+    <p:tnLst>
+      <p:par>
+        <p:cTn id="1" dur="indefinite" restart="never" nodeType="tmRoot"/>
+      </p:par>
+    </p:tnLst>
+  </p:timing>
+</p:sld>
+</file>
+
+<file path=ppt/slides/slide7.xml><?xml version="1.0" encoding="utf-8"?>
+<p:sld xmlns:a="http://schemas.openxmlformats.org/drawingml/2006/main" xmlns:r="http://schemas.openxmlformats.org/officeDocument/2006/relationships" xmlns:p="http://schemas.openxmlformats.org/presentationml/2006/main">
+  <p:cSld>
+    <p:spTree>
+      <p:nvGrpSpPr>
+        <p:cNvPr id="1" name=""/>
+        <p:cNvGrpSpPr/>
+        <p:nvPr/>
+      </p:nvGrpSpPr>
+      <p:grpSpPr>
+        <a:xfrm>
+          <a:off x="0" y="0"/>
+          <a:ext cx="0" cy="0"/>
+          <a:chOff x="0" y="0"/>
+          <a:chExt cx="0" cy="0"/>
+        </a:xfrm>
+      </p:grpSpPr>
+      <p:sp>
+        <p:nvSpPr>
+          <p:cNvPr id="2" name="Title 1"/>
+          <p:cNvSpPr>
+            <a:spLocks noGrp="1"/>
+          </p:cNvSpPr>
+          <p:nvPr>
+            <p:ph type="title"/>
+          </p:nvPr>
+        </p:nvSpPr>
+        <p:spPr>
+          <a:xfrm>
+            <a:off x="1259632" y="0"/>
+            <a:ext cx="7884368" cy="1069514"/>
+          </a:xfrm>
+        </p:spPr>
+        <p:txBody>
+          <a:bodyPr/>
+          <a:lstStyle/>
+          <a:p>
+            <a:r>
+              <a:rPr lang="en-US" altLang="ko-KR" sz="4400" dirty="0" err="1" smtClean="0">
+                <a:solidFill>
+                  <a:schemeClr val="tx1">
+                    <a:lumMod val="75000"/>
+                    <a:lumOff val="25000"/>
+                  </a:schemeClr>
+                </a:solidFill>
+                <a:latin typeface="Calibri" pitchFamily="34" charset="0"/>
+                <a:ea typeface="Arial Unicode MS" pitchFamily="50" charset="-127"/>
+                <a:cs typeface="Calibri" pitchFamily="34" charset="0"/>
+              </a:rPr>
+              <a:t>WorkTime</a:t>
+            </a:r>
+            <a:r>
+              <a:rPr lang="en-US" altLang="ko-KR" sz="4400" dirty="0" smtClean="0">
+                <a:solidFill>
+                  <a:schemeClr val="tx1">
+                    <a:lumMod val="75000"/>
+                    <a:lumOff val="25000"/>
+                  </a:schemeClr>
+                </a:solidFill>
+                <a:latin typeface="Calibri" pitchFamily="34" charset="0"/>
+                <a:ea typeface="Arial Unicode MS" pitchFamily="50" charset="-127"/>
+                <a:cs typeface="Calibri" pitchFamily="34" charset="0"/>
+              </a:rPr>
+              <a:t> </a:t>
+            </a:r>
+            <a:r>
+              <a:rPr lang="en-US" altLang="ko-KR" sz="4400" dirty="0" smtClean="0">
+                <a:solidFill>
+                  <a:schemeClr val="tx1">
+                    <a:lumMod val="75000"/>
+                    <a:lumOff val="25000"/>
+                  </a:schemeClr>
+                </a:solidFill>
+                <a:latin typeface="Calibri" pitchFamily="34" charset="0"/>
+                <a:ea typeface="Arial Unicode MS" pitchFamily="50" charset="-127"/>
+                <a:cs typeface="Calibri" pitchFamily="34" charset="0"/>
+              </a:rPr>
+              <a:t>Management</a:t>
+            </a:r>
+            <a:endParaRPr lang="ko-KR" altLang="en-US" sz="4400" dirty="0">
+              <a:solidFill>
+                <a:schemeClr val="tx1">
+                  <a:lumMod val="75000"/>
+                  <a:lumOff val="25000"/>
+                </a:schemeClr>
+              </a:solidFill>
+              <a:latin typeface="Calibri" pitchFamily="34" charset="0"/>
+              <a:ea typeface="Arial Unicode MS" pitchFamily="50" charset="-127"/>
+              <a:cs typeface="Calibri" pitchFamily="34" charset="0"/>
+            </a:endParaRPr>
+          </a:p>
+        </p:txBody>
+      </p:sp>
+      <p:sp>
+        <p:nvSpPr>
+          <p:cNvPr id="3" name="Content Placeholder 2"/>
+          <p:cNvSpPr>
+            <a:spLocks noGrp="1"/>
+          </p:cNvSpPr>
+          <p:nvPr>
+            <p:ph idx="1"/>
+          </p:nvPr>
+        </p:nvSpPr>
+        <p:spPr>
+          <a:xfrm>
+            <a:off x="1835696" y="1484784"/>
+            <a:ext cx="6851104" cy="4525963"/>
+          </a:xfrm>
+        </p:spPr>
+        <p:txBody>
+          <a:bodyPr>
+            <a:normAutofit/>
+          </a:bodyPr>
+          <a:lstStyle/>
+          <a:p>
+            <a:pPr>
+              <a:lnSpc>
+                <a:spcPct val="120000"/>
+              </a:lnSpc>
+            </a:pPr>
+            <a:r>
+              <a:rPr lang="ko-KR" altLang="en-US" sz="3000" dirty="0" smtClean="0">
+                <a:solidFill>
+                  <a:schemeClr val="tx1">
+                    <a:lumMod val="75000"/>
+                    <a:lumOff val="25000"/>
+                  </a:schemeClr>
+                </a:solidFill>
+                <a:latin typeface="Calibri" pitchFamily="34" charset="0"/>
+                <a:cs typeface="Calibri" pitchFamily="34" charset="0"/>
+              </a:rPr>
+              <a:t>근태 관리</a:t>
+            </a:r>
+            <a:r>
+              <a:rPr lang="ko-KR" altLang="en-US" sz="3000" dirty="0" smtClean="0">
+                <a:solidFill>
+                  <a:schemeClr val="tx1">
+                    <a:lumMod val="75000"/>
+                    <a:lumOff val="25000"/>
+                  </a:schemeClr>
+                </a:solidFill>
+                <a:latin typeface="Calibri" pitchFamily="34" charset="0"/>
+                <a:cs typeface="Calibri" pitchFamily="34" charset="0"/>
+              </a:rPr>
+              <a:t> </a:t>
+            </a:r>
+            <a:r>
+              <a:rPr lang="ko-KR" altLang="en-US" sz="3000" dirty="0" smtClean="0">
+                <a:solidFill>
+                  <a:schemeClr val="tx1">
+                    <a:lumMod val="75000"/>
+                    <a:lumOff val="25000"/>
+                  </a:schemeClr>
+                </a:solidFill>
+                <a:latin typeface="Calibri" pitchFamily="34" charset="0"/>
+                <a:cs typeface="Calibri" pitchFamily="34" charset="0"/>
+              </a:rPr>
+              <a:t>페이지</a:t>
+            </a:r>
+            <a:endParaRPr lang="en-US" altLang="ko-KR" sz="3000" dirty="0" smtClean="0">
+              <a:solidFill>
+                <a:schemeClr val="tx1">
+                  <a:lumMod val="75000"/>
+                  <a:lumOff val="25000"/>
+                </a:schemeClr>
+              </a:solidFill>
+              <a:latin typeface="Calibri" pitchFamily="34" charset="0"/>
+              <a:cs typeface="Calibri" pitchFamily="34" charset="0"/>
+            </a:endParaRPr>
+          </a:p>
+          <a:p>
+            <a:pPr>
+              <a:lnSpc>
+                <a:spcPct val="120000"/>
+              </a:lnSpc>
+              <a:buFont typeface="Wingdings" pitchFamily="2" charset="2"/>
+              <a:buChar char="ü"/>
+            </a:pPr>
+            <a:r>
+              <a:rPr lang="ko-KR" altLang="en-US" sz="1900" dirty="0" smtClean="0">
+                <a:solidFill>
+                  <a:schemeClr val="tx1">
+                    <a:lumMod val="50000"/>
+                    <a:lumOff val="50000"/>
+                  </a:schemeClr>
+                </a:solidFill>
+                <a:latin typeface="Calibri" pitchFamily="34" charset="0"/>
+                <a:cs typeface="Calibri" pitchFamily="34" charset="0"/>
+              </a:rPr>
+              <a:t>회원 및 관리자의 근태를 관리할 수 있는 폼</a:t>
+            </a:r>
+            <a:endParaRPr lang="en-US" altLang="ko-KR" sz="1900" dirty="0" smtClean="0">
+              <a:solidFill>
+                <a:schemeClr val="tx1">
+                  <a:lumMod val="50000"/>
+                  <a:lumOff val="50000"/>
+                </a:schemeClr>
+              </a:solidFill>
+              <a:latin typeface="Calibri" pitchFamily="34" charset="0"/>
+              <a:cs typeface="Calibri" pitchFamily="34" charset="0"/>
+            </a:endParaRPr>
+          </a:p>
+          <a:p>
+            <a:pPr>
+              <a:buFont typeface="Wingdings" pitchFamily="2" charset="2"/>
+              <a:buChar char="ü"/>
+            </a:pPr>
+            <a:endParaRPr lang="en-US" altLang="ko-KR" sz="2200" dirty="0" smtClean="0">
+              <a:solidFill>
+                <a:schemeClr val="tx1">
+                  <a:lumMod val="50000"/>
+                  <a:lumOff val="50000"/>
+                </a:schemeClr>
+              </a:solidFill>
+              <a:latin typeface="Calibri" pitchFamily="34" charset="0"/>
+              <a:cs typeface="Calibri" pitchFamily="34" charset="0"/>
+            </a:endParaRPr>
+          </a:p>
+          <a:p>
+            <a:pPr>
+              <a:lnSpc>
+                <a:spcPct val="120000"/>
+              </a:lnSpc>
+            </a:pPr>
+            <a:r>
+              <a:rPr lang="ko-KR" altLang="en-US" sz="3000" dirty="0" smtClean="0">
+                <a:solidFill>
+                  <a:schemeClr val="tx1">
+                    <a:lumMod val="75000"/>
+                    <a:lumOff val="25000"/>
+                  </a:schemeClr>
+                </a:solidFill>
+                <a:latin typeface="Calibri" pitchFamily="34" charset="0"/>
+                <a:cs typeface="Calibri" pitchFamily="34" charset="0"/>
+              </a:rPr>
+              <a:t>관리자 </a:t>
+            </a:r>
+            <a:r>
+              <a:rPr lang="ko-KR" altLang="en-US" sz="3000" dirty="0" smtClean="0">
+                <a:solidFill>
+                  <a:schemeClr val="tx1">
+                    <a:lumMod val="75000"/>
+                    <a:lumOff val="25000"/>
+                  </a:schemeClr>
+                </a:solidFill>
+                <a:latin typeface="Calibri" pitchFamily="34" charset="0"/>
+                <a:cs typeface="Calibri" pitchFamily="34" charset="0"/>
+              </a:rPr>
+              <a:t>근태 </a:t>
+            </a:r>
+            <a:r>
+              <a:rPr lang="ko-KR" altLang="en-US" sz="3000" dirty="0" smtClean="0">
+                <a:solidFill>
+                  <a:schemeClr val="tx1">
+                    <a:lumMod val="75000"/>
+                    <a:lumOff val="25000"/>
+                  </a:schemeClr>
+                </a:solidFill>
+                <a:latin typeface="Calibri" pitchFamily="34" charset="0"/>
+                <a:cs typeface="Calibri" pitchFamily="34" charset="0"/>
+              </a:rPr>
+              <a:t>관리</a:t>
+            </a:r>
+            <a:endParaRPr lang="en-US" altLang="ko-KR" sz="3000" dirty="0" smtClean="0">
+              <a:solidFill>
+                <a:schemeClr val="tx1">
+                  <a:lumMod val="75000"/>
+                  <a:lumOff val="25000"/>
+                </a:schemeClr>
+              </a:solidFill>
+              <a:latin typeface="Calibri" pitchFamily="34" charset="0"/>
+              <a:cs typeface="Calibri" pitchFamily="34" charset="0"/>
+            </a:endParaRPr>
+          </a:p>
+          <a:p>
+            <a:pPr>
+              <a:lnSpc>
+                <a:spcPct val="120000"/>
+              </a:lnSpc>
+              <a:buFont typeface="Wingdings" pitchFamily="2" charset="2"/>
+              <a:buChar char="ü"/>
+            </a:pPr>
+            <a:r>
+              <a:rPr lang="ko-KR" altLang="en-US" sz="1900" dirty="0" smtClean="0">
+                <a:solidFill>
+                  <a:schemeClr val="tx1">
+                    <a:lumMod val="50000"/>
+                    <a:lumOff val="50000"/>
+                  </a:schemeClr>
+                </a:solidFill>
+                <a:latin typeface="Calibri" pitchFamily="34" charset="0"/>
+                <a:cs typeface="Calibri" pitchFamily="34" charset="0"/>
+              </a:rPr>
+              <a:t>관리자는 회원의 </a:t>
+            </a:r>
+            <a:r>
+              <a:rPr lang="ko-KR" altLang="en-US" sz="1900" dirty="0" smtClean="0">
+                <a:solidFill>
+                  <a:schemeClr val="tx1">
+                    <a:lumMod val="50000"/>
+                    <a:lumOff val="50000"/>
+                  </a:schemeClr>
+                </a:solidFill>
+                <a:latin typeface="Calibri" pitchFamily="34" charset="0"/>
+                <a:cs typeface="Calibri" pitchFamily="34" charset="0"/>
+              </a:rPr>
+              <a:t> 근태 확인</a:t>
+            </a:r>
+            <a:r>
+              <a:rPr lang="en-US" altLang="ko-KR" sz="1900" dirty="0" smtClean="0">
+                <a:solidFill>
+                  <a:schemeClr val="tx1">
+                    <a:lumMod val="50000"/>
+                    <a:lumOff val="50000"/>
+                  </a:schemeClr>
+                </a:solidFill>
+                <a:latin typeface="Calibri" pitchFamily="34" charset="0"/>
+                <a:cs typeface="Calibri" pitchFamily="34" charset="0"/>
+              </a:rPr>
+              <a:t> </a:t>
+            </a:r>
+            <a:r>
+              <a:rPr lang="ko-KR" altLang="en-US" sz="1900" dirty="0" smtClean="0">
+                <a:solidFill>
+                  <a:schemeClr val="tx1">
+                    <a:lumMod val="50000"/>
+                    <a:lumOff val="50000"/>
+                  </a:schemeClr>
+                </a:solidFill>
+                <a:latin typeface="Calibri" pitchFamily="34" charset="0"/>
+                <a:cs typeface="Calibri" pitchFamily="34" charset="0"/>
+              </a:rPr>
+              <a:t>및 </a:t>
+            </a:r>
+            <a:r>
+              <a:rPr lang="ko-KR" altLang="en-US" sz="1900" dirty="0" smtClean="0">
+                <a:solidFill>
+                  <a:schemeClr val="tx1">
+                    <a:lumMod val="50000"/>
+                    <a:lumOff val="50000"/>
+                  </a:schemeClr>
+                </a:solidFill>
+                <a:latin typeface="Calibri" pitchFamily="34" charset="0"/>
+                <a:cs typeface="Calibri" pitchFamily="34" charset="0"/>
+              </a:rPr>
+              <a:t>수정</a:t>
+            </a:r>
+            <a:r>
+              <a:rPr lang="en-US" altLang="ko-KR" sz="1900" dirty="0" smtClean="0">
+                <a:solidFill>
+                  <a:schemeClr val="tx1">
+                    <a:lumMod val="50000"/>
+                    <a:lumOff val="50000"/>
+                  </a:schemeClr>
+                </a:solidFill>
+                <a:latin typeface="Calibri" pitchFamily="34" charset="0"/>
+                <a:cs typeface="Calibri" pitchFamily="34" charset="0"/>
+              </a:rPr>
+              <a:t>, </a:t>
+            </a:r>
+            <a:r>
+              <a:rPr lang="ko-KR" altLang="en-US" sz="1900" dirty="0" smtClean="0">
+                <a:solidFill>
+                  <a:schemeClr val="tx1">
+                    <a:lumMod val="50000"/>
+                    <a:lumOff val="50000"/>
+                  </a:schemeClr>
+                </a:solidFill>
+                <a:latin typeface="Calibri" pitchFamily="34" charset="0"/>
+                <a:cs typeface="Calibri" pitchFamily="34" charset="0"/>
+              </a:rPr>
+              <a:t>삭</a:t>
+            </a:r>
+            <a:r>
+              <a:rPr lang="ko-KR" altLang="en-US" sz="1900" dirty="0" smtClean="0">
+                <a:solidFill>
+                  <a:schemeClr val="tx1">
+                    <a:lumMod val="50000"/>
+                    <a:lumOff val="50000"/>
+                  </a:schemeClr>
+                </a:solidFill>
+                <a:latin typeface="Calibri" pitchFamily="34" charset="0"/>
+                <a:cs typeface="Calibri" pitchFamily="34" charset="0"/>
+              </a:rPr>
+              <a:t>제</a:t>
+            </a:r>
+            <a:r>
+              <a:rPr lang="ko-KR" altLang="en-US" sz="1900" dirty="0" smtClean="0">
+                <a:solidFill>
+                  <a:schemeClr val="tx1">
+                    <a:lumMod val="50000"/>
+                    <a:lumOff val="50000"/>
+                  </a:schemeClr>
+                </a:solidFill>
+                <a:latin typeface="Calibri" pitchFamily="34" charset="0"/>
+                <a:cs typeface="Calibri" pitchFamily="34" charset="0"/>
+              </a:rPr>
+              <a:t> 가능</a:t>
+            </a:r>
+            <a:endParaRPr lang="en-US" altLang="ko-KR" sz="1900" dirty="0" smtClean="0">
+              <a:solidFill>
+                <a:schemeClr val="tx1">
+                  <a:lumMod val="50000"/>
+                  <a:lumOff val="50000"/>
+                </a:schemeClr>
+              </a:solidFill>
+              <a:latin typeface="Calibri" pitchFamily="34" charset="0"/>
+              <a:cs typeface="Calibri" pitchFamily="34" charset="0"/>
+            </a:endParaRPr>
+          </a:p>
+          <a:p>
+            <a:pPr>
+              <a:lnSpc>
+                <a:spcPct val="120000"/>
+              </a:lnSpc>
+              <a:buFont typeface="Wingdings" pitchFamily="2" charset="2"/>
+              <a:buChar char="ü"/>
+            </a:pPr>
+            <a:endParaRPr lang="en-US" altLang="ko-KR" sz="2400" dirty="0" smtClean="0">
+              <a:solidFill>
+                <a:schemeClr val="tx1">
+                  <a:lumMod val="50000"/>
+                  <a:lumOff val="50000"/>
+                </a:schemeClr>
+              </a:solidFill>
+              <a:latin typeface="Calibri" pitchFamily="34" charset="0"/>
+              <a:cs typeface="Calibri" pitchFamily="34" charset="0"/>
+            </a:endParaRPr>
+          </a:p>
+          <a:p>
+            <a:pPr>
+              <a:lnSpc>
+                <a:spcPct val="120000"/>
+              </a:lnSpc>
+            </a:pPr>
+            <a:r>
+              <a:rPr lang="ko-KR" altLang="en-US" sz="3000" dirty="0" smtClean="0">
+                <a:solidFill>
+                  <a:schemeClr val="tx1">
+                    <a:lumMod val="75000"/>
+                    <a:lumOff val="25000"/>
+                  </a:schemeClr>
+                </a:solidFill>
+                <a:latin typeface="Calibri" pitchFamily="34" charset="0"/>
+                <a:cs typeface="Calibri" pitchFamily="34" charset="0"/>
+              </a:rPr>
+              <a:t>회원 근태 관리</a:t>
+            </a:r>
+            <a:endParaRPr lang="en-US" altLang="ko-KR" sz="3000" dirty="0" smtClean="0">
+              <a:solidFill>
+                <a:schemeClr val="tx1">
+                  <a:lumMod val="75000"/>
+                  <a:lumOff val="25000"/>
+                </a:schemeClr>
+              </a:solidFill>
+              <a:latin typeface="Calibri" pitchFamily="34" charset="0"/>
+              <a:cs typeface="Calibri" pitchFamily="34" charset="0"/>
+            </a:endParaRPr>
+          </a:p>
+          <a:p>
+            <a:pPr>
+              <a:lnSpc>
+                <a:spcPct val="120000"/>
+              </a:lnSpc>
+              <a:buFont typeface="Wingdings" pitchFamily="2" charset="2"/>
+              <a:buChar char="ü"/>
+            </a:pPr>
+            <a:r>
+              <a:rPr lang="ko-KR" altLang="en-US" sz="1900" dirty="0" smtClean="0">
+                <a:solidFill>
+                  <a:schemeClr val="tx1">
+                    <a:lumMod val="50000"/>
+                    <a:lumOff val="50000"/>
+                  </a:schemeClr>
+                </a:solidFill>
+                <a:latin typeface="Calibri" pitchFamily="34" charset="0"/>
+                <a:cs typeface="Calibri" pitchFamily="34" charset="0"/>
+              </a:rPr>
+              <a:t>회원은 자신의 근태 확인 및 출근</a:t>
+            </a:r>
+            <a:r>
+              <a:rPr lang="en-US" altLang="ko-KR" sz="1900" dirty="0" smtClean="0">
+                <a:solidFill>
+                  <a:schemeClr val="tx1">
+                    <a:lumMod val="50000"/>
+                    <a:lumOff val="50000"/>
+                  </a:schemeClr>
+                </a:solidFill>
+                <a:latin typeface="Calibri" pitchFamily="34" charset="0"/>
+                <a:cs typeface="Calibri" pitchFamily="34" charset="0"/>
+              </a:rPr>
+              <a:t>, </a:t>
+            </a:r>
+            <a:r>
+              <a:rPr lang="ko-KR" altLang="en-US" sz="1900" dirty="0" smtClean="0">
+                <a:solidFill>
+                  <a:schemeClr val="tx1">
+                    <a:lumMod val="50000"/>
+                    <a:lumOff val="50000"/>
+                  </a:schemeClr>
+                </a:solidFill>
+                <a:latin typeface="Calibri" pitchFamily="34" charset="0"/>
+                <a:cs typeface="Calibri" pitchFamily="34" charset="0"/>
+              </a:rPr>
+              <a:t>퇴근시간 입력 가능</a:t>
+            </a:r>
+            <a:endParaRPr lang="en-US" altLang="ko-KR" sz="1900" dirty="0" smtClean="0">
+              <a:solidFill>
+                <a:schemeClr val="tx1">
+                  <a:lumMod val="50000"/>
+                  <a:lumOff val="50000"/>
+                </a:schemeClr>
+              </a:solidFill>
+              <a:latin typeface="Calibri" pitchFamily="34" charset="0"/>
+              <a:cs typeface="Calibri" pitchFamily="34" charset="0"/>
+            </a:endParaRPr>
+          </a:p>
+          <a:p>
+            <a:endParaRPr lang="en-US" altLang="ko-KR" sz="4000" dirty="0" smtClean="0">
+              <a:solidFill>
+                <a:schemeClr val="tx1">
+                  <a:lumMod val="75000"/>
+                  <a:lumOff val="25000"/>
+                </a:schemeClr>
+              </a:solidFill>
+              <a:latin typeface="Calibri" pitchFamily="34" charset="0"/>
+              <a:cs typeface="Calibri" pitchFamily="34" charset="0"/>
+            </a:endParaRPr>
+          </a:p>
+          <a:p>
+            <a:endParaRPr lang="en-US" altLang="ko-KR" sz="4000" dirty="0" smtClean="0">
+              <a:solidFill>
+                <a:schemeClr val="tx1">
+                  <a:lumMod val="50000"/>
+                  <a:lumOff val="50000"/>
+                </a:schemeClr>
+              </a:solidFill>
+              <a:latin typeface="Calibri" pitchFamily="34" charset="0"/>
+              <a:cs typeface="Calibri" pitchFamily="34" charset="0"/>
+            </a:endParaRPr>
+          </a:p>
+        </p:txBody>
+      </p:sp>
+    </p:spTree>
+    <p:extLst>
+      <p:ext uri="{BB962C8B-B14F-4D97-AF65-F5344CB8AC3E}">
+        <p14:creationId xmlns="" xmlns:p14="http://schemas.microsoft.com/office/powerpoint/2010/main" val="891763176"/>
+      </p:ext>
+    </p:extLst>
+  </p:cSld>
+  <p:clrMapOvr>
+    <a:masterClrMapping/>
+  </p:clrMapOvr>
+  <p:timing>
+    <p:tnLst>
+      <p:par>
+        <p:cTn id="1" dur="indefinite" restart="never" nodeType="tmRoot"/>
+      </p:par>
+    </p:tnLst>
+  </p:timing>
+</p:sld>
+</file>
+
+<file path=ppt/slides/slide8.xml><?xml version="1.0" encoding="utf-8"?>
+<p:sld xmlns:a="http://schemas.openxmlformats.org/drawingml/2006/main" xmlns:r="http://schemas.openxmlformats.org/officeDocument/2006/relationships" xmlns:p="http://schemas.openxmlformats.org/presentationml/2006/main">
+  <p:cSld>
+    <p:spTree>
+      <p:nvGrpSpPr>
+        <p:cNvPr id="1" name=""/>
+        <p:cNvGrpSpPr/>
+        <p:nvPr/>
+      </p:nvGrpSpPr>
+      <p:grpSpPr>
+        <a:xfrm>
+          <a:off x="0" y="0"/>
+          <a:ext cx="0" cy="0"/>
+          <a:chOff x="0" y="0"/>
+          <a:chExt cx="0" cy="0"/>
+        </a:xfrm>
+      </p:grpSpPr>
+      <p:sp>
+        <p:nvSpPr>
+          <p:cNvPr id="2" name="Title 1"/>
+          <p:cNvSpPr>
+            <a:spLocks noGrp="1"/>
+          </p:cNvSpPr>
+          <p:nvPr>
+            <p:ph type="title"/>
+          </p:nvPr>
+        </p:nvSpPr>
+        <p:spPr>
+          <a:xfrm>
+            <a:off x="1259632" y="0"/>
+            <a:ext cx="7884368" cy="1069514"/>
+          </a:xfrm>
+        </p:spPr>
+        <p:txBody>
+          <a:bodyPr/>
+          <a:lstStyle/>
+          <a:p>
+            <a:r>
+              <a:rPr lang="en-US" altLang="ko-KR" sz="4400" dirty="0" err="1" smtClean="0">
+                <a:solidFill>
+                  <a:schemeClr val="tx1">
+                    <a:lumMod val="75000"/>
+                    <a:lumOff val="25000"/>
+                  </a:schemeClr>
+                </a:solidFill>
+                <a:latin typeface="Calibri" pitchFamily="34" charset="0"/>
+                <a:ea typeface="Arial Unicode MS" pitchFamily="50" charset="-127"/>
+                <a:cs typeface="Calibri" pitchFamily="34" charset="0"/>
+              </a:rPr>
+              <a:t>WorkTime</a:t>
+            </a:r>
+            <a:r>
+              <a:rPr lang="en-US" altLang="ko-KR" sz="4400" dirty="0" smtClean="0">
+                <a:solidFill>
+                  <a:schemeClr val="tx1">
+                    <a:lumMod val="75000"/>
+                    <a:lumOff val="25000"/>
+                  </a:schemeClr>
+                </a:solidFill>
+                <a:latin typeface="Calibri" pitchFamily="34" charset="0"/>
+                <a:ea typeface="Arial Unicode MS" pitchFamily="50" charset="-127"/>
+                <a:cs typeface="Calibri" pitchFamily="34" charset="0"/>
+              </a:rPr>
+              <a:t> </a:t>
+            </a:r>
+            <a:r>
+              <a:rPr lang="en-US" altLang="ko-KR" sz="4400" dirty="0" smtClean="0">
+                <a:solidFill>
+                  <a:schemeClr val="tx1">
+                    <a:lumMod val="75000"/>
+                    <a:lumOff val="25000"/>
+                  </a:schemeClr>
+                </a:solidFill>
+                <a:latin typeface="Calibri" pitchFamily="34" charset="0"/>
+                <a:ea typeface="Arial Unicode MS" pitchFamily="50" charset="-127"/>
+                <a:cs typeface="Calibri" pitchFamily="34" charset="0"/>
+              </a:rPr>
+              <a:t>Management</a:t>
+            </a:r>
+            <a:endParaRPr lang="ko-KR" altLang="en-US" sz="4400" dirty="0">
+              <a:solidFill>
+                <a:schemeClr val="tx1">
+                  <a:lumMod val="75000"/>
+                  <a:lumOff val="25000"/>
+                </a:schemeClr>
+              </a:solidFill>
+              <a:latin typeface="Calibri" pitchFamily="34" charset="0"/>
+              <a:ea typeface="Arial Unicode MS" pitchFamily="50" charset="-127"/>
+              <a:cs typeface="Calibri" pitchFamily="34" charset="0"/>
+            </a:endParaRPr>
+          </a:p>
+        </p:txBody>
+      </p:sp>
+      <p:pic>
+        <p:nvPicPr>
+          <p:cNvPr id="1027" name="Picture 3"/>
+          <p:cNvPicPr>
+            <a:picLocks noChangeAspect="1" noChangeArrowheads="1"/>
+          </p:cNvPicPr>
+          <p:nvPr/>
+        </p:nvPicPr>
+        <p:blipFill>
+          <a:blip r:embed="rId2"/>
+          <a:srcRect/>
+          <a:stretch>
+            <a:fillRect/>
+          </a:stretch>
+        </p:blipFill>
+        <p:spPr bwMode="auto">
+          <a:xfrm>
+            <a:off x="1285852" y="1357298"/>
+            <a:ext cx="6215074" cy="3504666"/>
+          </a:xfrm>
+          <a:prstGeom prst="rect">
+            <a:avLst/>
+          </a:prstGeom>
+          <a:noFill/>
+          <a:ln w="9525">
+            <a:solidFill>
+              <a:schemeClr val="tx1"/>
+            </a:solidFill>
+            <a:miter lim="800000"/>
+            <a:headEnd/>
+            <a:tailEnd/>
+          </a:ln>
+          <a:effectLst>
+            <a:outerShdw blurRad="50800" dist="38100" algn="l" rotWithShape="0">
+              <a:prstClr val="black">
+                <a:alpha val="40000"/>
+              </a:prstClr>
+            </a:outerShdw>
+          </a:effectLst>
+        </p:spPr>
+      </p:pic>
+      <p:pic>
+        <p:nvPicPr>
+          <p:cNvPr id="1029" name="Picture 5"/>
+          <p:cNvPicPr>
+            <a:picLocks noGrp="1" noChangeAspect="1" noChangeArrowheads="1"/>
+          </p:cNvPicPr>
+          <p:nvPr>
+            <p:ph idx="1"/>
+          </p:nvPr>
+        </p:nvPicPr>
+        <p:blipFill>
+          <a:blip r:embed="rId3"/>
+          <a:srcRect/>
+          <a:stretch>
+            <a:fillRect/>
+          </a:stretch>
+        </p:blipFill>
+        <p:spPr bwMode="auto">
+          <a:xfrm>
+            <a:off x="2000232" y="4429132"/>
+            <a:ext cx="6715172" cy="1928826"/>
+          </a:xfrm>
+          <a:prstGeom prst="rect">
+            <a:avLst/>
+          </a:prstGeom>
+          <a:noFill/>
+          <a:ln w="9525">
+            <a:solidFill>
+              <a:schemeClr val="tx1"/>
+            </a:solidFill>
+            <a:miter lim="800000"/>
+            <a:headEnd/>
+            <a:tailEnd/>
+          </a:ln>
+          <a:effectLst>
+            <a:outerShdw blurRad="50800" dist="38100" dir="2700000" algn="tl" rotWithShape="0">
+              <a:prstClr val="black">
+                <a:alpha val="40000"/>
+              </a:prstClr>
+            </a:outerShdw>
+          </a:effectLst>
+        </p:spPr>
+      </p:pic>
+    </p:spTree>
+    <p:extLst>
+      <p:ext uri="{BB962C8B-B14F-4D97-AF65-F5344CB8AC3E}">
+        <p14:creationId xmlns="" xmlns:p14="http://schemas.microsoft.com/office/powerpoint/2010/main" val="891763176"/>
+      </p:ext>
+    </p:extLst>
+  </p:cSld>
+  <p:clrMapOvr>
+    <a:masterClrMapping/>
+  </p:clrMapOvr>
+  <p:timing>
+    <p:tnLst>
+      <p:par>
+        <p:cTn id="1" dur="indefinite" restart="never" nodeType="tmRoot"/>
+      </p:par>
+    </p:tnLst>
+  </p:timing>
+</p:sld>
+</file>
+
+<file path=ppt/slides/slide9.xml><?xml version="1.0" encoding="utf-8"?>
+<p:sld xmlns:a="http://schemas.openxmlformats.org/drawingml/2006/main" xmlns:r="http://schemas.openxmlformats.org/officeDocument/2006/relationships" xmlns:p="http://schemas.openxmlformats.org/presentationml/2006/main">
+  <p:cSld>
+    <p:spTree>
+      <p:nvGrpSpPr>
+        <p:cNvPr id="1" name=""/>
+        <p:cNvGrpSpPr/>
+        <p:nvPr/>
+      </p:nvGrpSpPr>
+      <p:grpSpPr>
+        <a:xfrm>
+          <a:off x="0" y="0"/>
+          <a:ext cx="0" cy="0"/>
+          <a:chOff x="0" y="0"/>
+          <a:chExt cx="0" cy="0"/>
+        </a:xfrm>
+      </p:grpSpPr>
+      <p:sp>
+        <p:nvSpPr>
+          <p:cNvPr id="2" name="Title 1"/>
+          <p:cNvSpPr>
+            <a:spLocks noGrp="1"/>
+          </p:cNvSpPr>
+          <p:nvPr>
+            <p:ph type="title"/>
+          </p:nvPr>
+        </p:nvSpPr>
+        <p:spPr>
+          <a:xfrm>
+            <a:off x="1259632" y="0"/>
+            <a:ext cx="7884368" cy="1069514"/>
+          </a:xfrm>
+        </p:spPr>
+        <p:txBody>
+          <a:bodyPr/>
+          <a:lstStyle/>
+          <a:p>
+            <a:r>
+              <a:rPr lang="en-US" altLang="ko-KR" sz="4400" dirty="0" err="1" smtClean="0">
+                <a:solidFill>
+                  <a:schemeClr val="tx1">
+                    <a:lumMod val="75000"/>
+                    <a:lumOff val="25000"/>
+                  </a:schemeClr>
+                </a:solidFill>
+                <a:latin typeface="Calibri" pitchFamily="34" charset="0"/>
+                <a:ea typeface="Arial Unicode MS" pitchFamily="50" charset="-127"/>
+                <a:cs typeface="Calibri" pitchFamily="34" charset="0"/>
+              </a:rPr>
+              <a:t>WorkTime</a:t>
+            </a:r>
+            <a:r>
+              <a:rPr lang="en-US" altLang="ko-KR" sz="4400" dirty="0" smtClean="0">
+                <a:solidFill>
+                  <a:schemeClr val="tx1">
+                    <a:lumMod val="75000"/>
+                    <a:lumOff val="25000"/>
+                  </a:schemeClr>
+                </a:solidFill>
+                <a:latin typeface="Calibri" pitchFamily="34" charset="0"/>
+                <a:ea typeface="Arial Unicode MS" pitchFamily="50" charset="-127"/>
+                <a:cs typeface="Calibri" pitchFamily="34" charset="0"/>
+              </a:rPr>
+              <a:t> </a:t>
+            </a:r>
+            <a:r>
+              <a:rPr lang="en-US" altLang="ko-KR" sz="4400" dirty="0" smtClean="0">
+                <a:solidFill>
+                  <a:schemeClr val="tx1">
+                    <a:lumMod val="75000"/>
+                    <a:lumOff val="25000"/>
+                  </a:schemeClr>
+                </a:solidFill>
+                <a:latin typeface="Calibri" pitchFamily="34" charset="0"/>
+                <a:ea typeface="Arial Unicode MS" pitchFamily="50" charset="-127"/>
+                <a:cs typeface="Calibri" pitchFamily="34" charset="0"/>
+              </a:rPr>
+              <a:t>Management</a:t>
+            </a:r>
+            <a:endParaRPr lang="ko-KR" altLang="en-US" sz="4400" dirty="0">
+              <a:solidFill>
+                <a:schemeClr val="tx1">
+                  <a:lumMod val="75000"/>
+                  <a:lumOff val="25000"/>
+                </a:schemeClr>
+              </a:solidFill>
+              <a:latin typeface="Calibri" pitchFamily="34" charset="0"/>
+              <a:ea typeface="Arial Unicode MS" pitchFamily="50" charset="-127"/>
+              <a:cs typeface="Calibri" pitchFamily="34" charset="0"/>
+            </a:endParaRPr>
+          </a:p>
+        </p:txBody>
+      </p:sp>
+      <p:pic>
+        <p:nvPicPr>
+          <p:cNvPr id="2050" name="Picture 2"/>
+          <p:cNvPicPr>
+            <a:picLocks noChangeAspect="1" noChangeArrowheads="1"/>
+          </p:cNvPicPr>
+          <p:nvPr/>
+        </p:nvPicPr>
+        <p:blipFill>
+          <a:blip r:embed="rId2"/>
+          <a:srcRect/>
+          <a:stretch>
+            <a:fillRect/>
+          </a:stretch>
+        </p:blipFill>
+        <p:spPr bwMode="auto">
+          <a:xfrm>
+            <a:off x="1500166" y="1123954"/>
+            <a:ext cx="6102227" cy="4876814"/>
+          </a:xfrm>
+          <a:prstGeom prst="rect">
+            <a:avLst/>
+          </a:prstGeom>
+          <a:noFill/>
+          <a:ln w="9525">
+            <a:solidFill>
+              <a:schemeClr val="tx1"/>
+            </a:solidFill>
+            <a:miter lim="800000"/>
+            <a:headEnd/>
+            <a:tailEnd/>
+          </a:ln>
+          <a:effectLst>
+            <a:outerShdw blurRad="50800" dist="38100" dir="2700000" algn="tl" rotWithShape="0">
+              <a:prstClr val="black">
+                <a:alpha val="40000"/>
+              </a:prstClr>
+            </a:outerShdw>
+          </a:effectLst>
+        </p:spPr>
+      </p:pic>
+    </p:spTree>
+    <p:extLst>
+      <p:ext uri="{BB962C8B-B14F-4D97-AF65-F5344CB8AC3E}">
+        <p14:creationId xmlns="" xmlns:p14="http://schemas.microsoft.com/office/powerpoint/2010/main" val="891763176"/>
+      </p:ext>
+    </p:extLst>
+  </p:cSld>
+  <p:clrMapOvr>
+    <a:masterClrMapping/>
+  </p:clrMapOvr>
   <p:timing>
     <p:tnLst>
       <p:par>
